--- a/BTC/BTC UI Design.pptx
+++ b/BTC/BTC UI Design.pptx
@@ -195,10 +195,9 @@
           </a:lstStyle>
           <a:p>
             <a:r>
-              <a:rPr lang="en-US" smtClean="0"/>
+              <a:rPr lang="en-US"/>
               <a:t>Click to edit Master title style</a:t>
             </a:r>
-            <a:endParaRPr lang="en-US"/>
           </a:p>
         </p:txBody>
       </p:sp>
@@ -260,10 +259,9 @@
           </a:lstStyle>
           <a:p>
             <a:r>
-              <a:rPr lang="en-US" smtClean="0"/>
+              <a:rPr lang="en-US"/>
               <a:t>Click to edit Master subtitle style</a:t>
             </a:r>
-            <a:endParaRPr lang="en-US"/>
           </a:p>
         </p:txBody>
       </p:sp>
@@ -284,7 +282,7 @@
           <a:p>
             <a:fld id="{B9EC8972-C24C-4DA5-99F8-10781DB68661}" type="datetimeFigureOut">
               <a:rPr lang="en-US" smtClean="0"/>
-              <a:t>11/26/2018</a:t>
+              <a:t>1/12/2019</a:t>
             </a:fld>
             <a:endParaRPr lang="en-US"/>
           </a:p>
@@ -378,10 +376,9 @@
           <a:lstStyle/>
           <a:p>
             <a:r>
-              <a:rPr lang="en-US" smtClean="0"/>
+              <a:rPr lang="en-US"/>
               <a:t>Click to edit Master title style</a:t>
             </a:r>
-            <a:endParaRPr lang="en-US"/>
           </a:p>
         </p:txBody>
       </p:sp>
@@ -402,38 +399,37 @@
           <a:p>
             <a:pPr lvl="0"/>
             <a:r>
-              <a:rPr lang="en-US" smtClean="0"/>
+              <a:rPr lang="en-US"/>
               <a:t>Edit Master text styles</a:t>
             </a:r>
           </a:p>
           <a:p>
             <a:pPr lvl="1"/>
             <a:r>
-              <a:rPr lang="en-US" smtClean="0"/>
+              <a:rPr lang="en-US"/>
               <a:t>Second level</a:t>
             </a:r>
           </a:p>
           <a:p>
             <a:pPr lvl="2"/>
             <a:r>
-              <a:rPr lang="en-US" smtClean="0"/>
+              <a:rPr lang="en-US"/>
               <a:t>Third level</a:t>
             </a:r>
           </a:p>
           <a:p>
             <a:pPr lvl="3"/>
             <a:r>
-              <a:rPr lang="en-US" smtClean="0"/>
+              <a:rPr lang="en-US"/>
               <a:t>Fourth level</a:t>
             </a:r>
           </a:p>
           <a:p>
             <a:pPr lvl="4"/>
             <a:r>
-              <a:rPr lang="en-US" smtClean="0"/>
+              <a:rPr lang="en-US"/>
               <a:t>Fifth level</a:t>
             </a:r>
-            <a:endParaRPr lang="en-US"/>
           </a:p>
         </p:txBody>
       </p:sp>
@@ -454,7 +450,7 @@
           <a:p>
             <a:fld id="{B9EC8972-C24C-4DA5-99F8-10781DB68661}" type="datetimeFigureOut">
               <a:rPr lang="en-US" smtClean="0"/>
-              <a:t>11/26/2018</a:t>
+              <a:t>1/12/2019</a:t>
             </a:fld>
             <a:endParaRPr lang="en-US"/>
           </a:p>
@@ -553,10 +549,9 @@
           <a:lstStyle/>
           <a:p>
             <a:r>
-              <a:rPr lang="en-US" smtClean="0"/>
+              <a:rPr lang="en-US"/>
               <a:t>Click to edit Master title style</a:t>
             </a:r>
-            <a:endParaRPr lang="en-US"/>
           </a:p>
         </p:txBody>
       </p:sp>
@@ -582,38 +577,37 @@
           <a:p>
             <a:pPr lvl="0"/>
             <a:r>
-              <a:rPr lang="en-US" smtClean="0"/>
+              <a:rPr lang="en-US"/>
               <a:t>Edit Master text styles</a:t>
             </a:r>
           </a:p>
           <a:p>
             <a:pPr lvl="1"/>
             <a:r>
-              <a:rPr lang="en-US" smtClean="0"/>
+              <a:rPr lang="en-US"/>
               <a:t>Second level</a:t>
             </a:r>
           </a:p>
           <a:p>
             <a:pPr lvl="2"/>
             <a:r>
-              <a:rPr lang="en-US" smtClean="0"/>
+              <a:rPr lang="en-US"/>
               <a:t>Third level</a:t>
             </a:r>
           </a:p>
           <a:p>
             <a:pPr lvl="3"/>
             <a:r>
-              <a:rPr lang="en-US" smtClean="0"/>
+              <a:rPr lang="en-US"/>
               <a:t>Fourth level</a:t>
             </a:r>
           </a:p>
           <a:p>
             <a:pPr lvl="4"/>
             <a:r>
-              <a:rPr lang="en-US" smtClean="0"/>
+              <a:rPr lang="en-US"/>
               <a:t>Fifth level</a:t>
             </a:r>
-            <a:endParaRPr lang="en-US"/>
           </a:p>
         </p:txBody>
       </p:sp>
@@ -634,7 +628,7 @@
           <a:p>
             <a:fld id="{B9EC8972-C24C-4DA5-99F8-10781DB68661}" type="datetimeFigureOut">
               <a:rPr lang="en-US" smtClean="0"/>
-              <a:t>11/26/2018</a:t>
+              <a:t>1/12/2019</a:t>
             </a:fld>
             <a:endParaRPr lang="en-US"/>
           </a:p>
@@ -728,10 +722,9 @@
           <a:lstStyle/>
           <a:p>
             <a:r>
-              <a:rPr lang="en-US" smtClean="0"/>
+              <a:rPr lang="en-US"/>
               <a:t>Click to edit Master title style</a:t>
             </a:r>
-            <a:endParaRPr lang="en-US"/>
           </a:p>
         </p:txBody>
       </p:sp>
@@ -752,38 +745,37 @@
           <a:p>
             <a:pPr lvl="0"/>
             <a:r>
-              <a:rPr lang="en-US" smtClean="0"/>
+              <a:rPr lang="en-US"/>
               <a:t>Edit Master text styles</a:t>
             </a:r>
           </a:p>
           <a:p>
             <a:pPr lvl="1"/>
             <a:r>
-              <a:rPr lang="en-US" smtClean="0"/>
+              <a:rPr lang="en-US"/>
               <a:t>Second level</a:t>
             </a:r>
           </a:p>
           <a:p>
             <a:pPr lvl="2"/>
             <a:r>
-              <a:rPr lang="en-US" smtClean="0"/>
+              <a:rPr lang="en-US"/>
               <a:t>Third level</a:t>
             </a:r>
           </a:p>
           <a:p>
             <a:pPr lvl="3"/>
             <a:r>
-              <a:rPr lang="en-US" smtClean="0"/>
+              <a:rPr lang="en-US"/>
               <a:t>Fourth level</a:t>
             </a:r>
           </a:p>
           <a:p>
             <a:pPr lvl="4"/>
             <a:r>
-              <a:rPr lang="en-US" smtClean="0"/>
+              <a:rPr lang="en-US"/>
               <a:t>Fifth level</a:t>
             </a:r>
-            <a:endParaRPr lang="en-US"/>
           </a:p>
         </p:txBody>
       </p:sp>
@@ -804,7 +796,7 @@
           <a:p>
             <a:fld id="{B9EC8972-C24C-4DA5-99F8-10781DB68661}" type="datetimeFigureOut">
               <a:rPr lang="en-US" smtClean="0"/>
-              <a:t>11/26/2018</a:t>
+              <a:t>1/12/2019</a:t>
             </a:fld>
             <a:endParaRPr lang="en-US"/>
           </a:p>
@@ -907,10 +899,9 @@
           </a:lstStyle>
           <a:p>
             <a:r>
-              <a:rPr lang="en-US" smtClean="0"/>
+              <a:rPr lang="en-US"/>
               <a:t>Click to edit Master title style</a:t>
             </a:r>
-            <a:endParaRPr lang="en-US"/>
           </a:p>
         </p:txBody>
       </p:sp>
@@ -1027,7 +1018,7 @@
           <a:p>
             <a:pPr lvl="0"/>
             <a:r>
-              <a:rPr lang="en-US" smtClean="0"/>
+              <a:rPr lang="en-US"/>
               <a:t>Edit Master text styles</a:t>
             </a:r>
           </a:p>
@@ -1050,7 +1041,7 @@
           <a:p>
             <a:fld id="{B9EC8972-C24C-4DA5-99F8-10781DB68661}" type="datetimeFigureOut">
               <a:rPr lang="en-US" smtClean="0"/>
-              <a:t>11/26/2018</a:t>
+              <a:t>1/12/2019</a:t>
             </a:fld>
             <a:endParaRPr lang="en-US"/>
           </a:p>
@@ -1144,10 +1135,9 @@
           <a:lstStyle/>
           <a:p>
             <a:r>
-              <a:rPr lang="en-US" smtClean="0"/>
+              <a:rPr lang="en-US"/>
               <a:t>Click to edit Master title style</a:t>
             </a:r>
-            <a:endParaRPr lang="en-US"/>
           </a:p>
         </p:txBody>
       </p:sp>
@@ -1173,38 +1163,37 @@
           <a:p>
             <a:pPr lvl="0"/>
             <a:r>
-              <a:rPr lang="en-US" smtClean="0"/>
+              <a:rPr lang="en-US"/>
               <a:t>Edit Master text styles</a:t>
             </a:r>
           </a:p>
           <a:p>
             <a:pPr lvl="1"/>
             <a:r>
-              <a:rPr lang="en-US" smtClean="0"/>
+              <a:rPr lang="en-US"/>
               <a:t>Second level</a:t>
             </a:r>
           </a:p>
           <a:p>
             <a:pPr lvl="2"/>
             <a:r>
-              <a:rPr lang="en-US" smtClean="0"/>
+              <a:rPr lang="en-US"/>
               <a:t>Third level</a:t>
             </a:r>
           </a:p>
           <a:p>
             <a:pPr lvl="3"/>
             <a:r>
-              <a:rPr lang="en-US" smtClean="0"/>
+              <a:rPr lang="en-US"/>
               <a:t>Fourth level</a:t>
             </a:r>
           </a:p>
           <a:p>
             <a:pPr lvl="4"/>
             <a:r>
-              <a:rPr lang="en-US" smtClean="0"/>
+              <a:rPr lang="en-US"/>
               <a:t>Fifth level</a:t>
             </a:r>
-            <a:endParaRPr lang="en-US"/>
           </a:p>
         </p:txBody>
       </p:sp>
@@ -1230,38 +1219,37 @@
           <a:p>
             <a:pPr lvl="0"/>
             <a:r>
-              <a:rPr lang="en-US" smtClean="0"/>
+              <a:rPr lang="en-US"/>
               <a:t>Edit Master text styles</a:t>
             </a:r>
           </a:p>
           <a:p>
             <a:pPr lvl="1"/>
             <a:r>
-              <a:rPr lang="en-US" smtClean="0"/>
+              <a:rPr lang="en-US"/>
               <a:t>Second level</a:t>
             </a:r>
           </a:p>
           <a:p>
             <a:pPr lvl="2"/>
             <a:r>
-              <a:rPr lang="en-US" smtClean="0"/>
+              <a:rPr lang="en-US"/>
               <a:t>Third level</a:t>
             </a:r>
           </a:p>
           <a:p>
             <a:pPr lvl="3"/>
             <a:r>
-              <a:rPr lang="en-US" smtClean="0"/>
+              <a:rPr lang="en-US"/>
               <a:t>Fourth level</a:t>
             </a:r>
           </a:p>
           <a:p>
             <a:pPr lvl="4"/>
             <a:r>
-              <a:rPr lang="en-US" smtClean="0"/>
+              <a:rPr lang="en-US"/>
               <a:t>Fifth level</a:t>
             </a:r>
-            <a:endParaRPr lang="en-US"/>
           </a:p>
         </p:txBody>
       </p:sp>
@@ -1282,7 +1270,7 @@
           <a:p>
             <a:fld id="{B9EC8972-C24C-4DA5-99F8-10781DB68661}" type="datetimeFigureOut">
               <a:rPr lang="en-US" smtClean="0"/>
-              <a:t>11/26/2018</a:t>
+              <a:t>1/12/2019</a:t>
             </a:fld>
             <a:endParaRPr lang="en-US"/>
           </a:p>
@@ -1381,10 +1369,9 @@
           <a:lstStyle/>
           <a:p>
             <a:r>
-              <a:rPr lang="en-US" smtClean="0"/>
+              <a:rPr lang="en-US"/>
               <a:t>Click to edit Master title style</a:t>
             </a:r>
-            <a:endParaRPr lang="en-US"/>
           </a:p>
         </p:txBody>
       </p:sp>
@@ -1447,7 +1434,7 @@
           <a:p>
             <a:pPr lvl="0"/>
             <a:r>
-              <a:rPr lang="en-US" smtClean="0"/>
+              <a:rPr lang="en-US"/>
               <a:t>Edit Master text styles</a:t>
             </a:r>
           </a:p>
@@ -1475,38 +1462,37 @@
           <a:p>
             <a:pPr lvl="0"/>
             <a:r>
-              <a:rPr lang="en-US" smtClean="0"/>
+              <a:rPr lang="en-US"/>
               <a:t>Edit Master text styles</a:t>
             </a:r>
           </a:p>
           <a:p>
             <a:pPr lvl="1"/>
             <a:r>
-              <a:rPr lang="en-US" smtClean="0"/>
+              <a:rPr lang="en-US"/>
               <a:t>Second level</a:t>
             </a:r>
           </a:p>
           <a:p>
             <a:pPr lvl="2"/>
             <a:r>
-              <a:rPr lang="en-US" smtClean="0"/>
+              <a:rPr lang="en-US"/>
               <a:t>Third level</a:t>
             </a:r>
           </a:p>
           <a:p>
             <a:pPr lvl="3"/>
             <a:r>
-              <a:rPr lang="en-US" smtClean="0"/>
+              <a:rPr lang="en-US"/>
               <a:t>Fourth level</a:t>
             </a:r>
           </a:p>
           <a:p>
             <a:pPr lvl="4"/>
             <a:r>
-              <a:rPr lang="en-US" smtClean="0"/>
+              <a:rPr lang="en-US"/>
               <a:t>Fifth level</a:t>
             </a:r>
-            <a:endParaRPr lang="en-US"/>
           </a:p>
         </p:txBody>
       </p:sp>
@@ -1569,7 +1555,7 @@
           <a:p>
             <a:pPr lvl="0"/>
             <a:r>
-              <a:rPr lang="en-US" smtClean="0"/>
+              <a:rPr lang="en-US"/>
               <a:t>Edit Master text styles</a:t>
             </a:r>
           </a:p>
@@ -1597,38 +1583,37 @@
           <a:p>
             <a:pPr lvl="0"/>
             <a:r>
-              <a:rPr lang="en-US" smtClean="0"/>
+              <a:rPr lang="en-US"/>
               <a:t>Edit Master text styles</a:t>
             </a:r>
           </a:p>
           <a:p>
             <a:pPr lvl="1"/>
             <a:r>
-              <a:rPr lang="en-US" smtClean="0"/>
+              <a:rPr lang="en-US"/>
               <a:t>Second level</a:t>
             </a:r>
           </a:p>
           <a:p>
             <a:pPr lvl="2"/>
             <a:r>
-              <a:rPr lang="en-US" smtClean="0"/>
+              <a:rPr lang="en-US"/>
               <a:t>Third level</a:t>
             </a:r>
           </a:p>
           <a:p>
             <a:pPr lvl="3"/>
             <a:r>
-              <a:rPr lang="en-US" smtClean="0"/>
+              <a:rPr lang="en-US"/>
               <a:t>Fourth level</a:t>
             </a:r>
           </a:p>
           <a:p>
             <a:pPr lvl="4"/>
             <a:r>
-              <a:rPr lang="en-US" smtClean="0"/>
+              <a:rPr lang="en-US"/>
               <a:t>Fifth level</a:t>
             </a:r>
-            <a:endParaRPr lang="en-US"/>
           </a:p>
         </p:txBody>
       </p:sp>
@@ -1649,7 +1634,7 @@
           <a:p>
             <a:fld id="{B9EC8972-C24C-4DA5-99F8-10781DB68661}" type="datetimeFigureOut">
               <a:rPr lang="en-US" smtClean="0"/>
-              <a:t>11/26/2018</a:t>
+              <a:t>1/12/2019</a:t>
             </a:fld>
             <a:endParaRPr lang="en-US"/>
           </a:p>
@@ -1743,10 +1728,9 @@
           <a:lstStyle/>
           <a:p>
             <a:r>
-              <a:rPr lang="en-US" smtClean="0"/>
+              <a:rPr lang="en-US"/>
               <a:t>Click to edit Master title style</a:t>
             </a:r>
-            <a:endParaRPr lang="en-US"/>
           </a:p>
         </p:txBody>
       </p:sp>
@@ -1767,7 +1751,7 @@
           <a:p>
             <a:fld id="{B9EC8972-C24C-4DA5-99F8-10781DB68661}" type="datetimeFigureOut">
               <a:rPr lang="en-US" smtClean="0"/>
-              <a:t>11/26/2018</a:t>
+              <a:t>1/12/2019</a:t>
             </a:fld>
             <a:endParaRPr lang="en-US"/>
           </a:p>
@@ -1862,7 +1846,7 @@
           <a:p>
             <a:fld id="{B9EC8972-C24C-4DA5-99F8-10781DB68661}" type="datetimeFigureOut">
               <a:rPr lang="en-US" smtClean="0"/>
-              <a:t>11/26/2018</a:t>
+              <a:t>1/12/2019</a:t>
             </a:fld>
             <a:endParaRPr lang="en-US"/>
           </a:p>
@@ -1965,10 +1949,9 @@
           </a:lstStyle>
           <a:p>
             <a:r>
-              <a:rPr lang="en-US" smtClean="0"/>
+              <a:rPr lang="en-US"/>
               <a:t>Click to edit Master title style</a:t>
             </a:r>
-            <a:endParaRPr lang="en-US"/>
           </a:p>
         </p:txBody>
       </p:sp>
@@ -2022,38 +2005,37 @@
           <a:p>
             <a:pPr lvl="0"/>
             <a:r>
-              <a:rPr lang="en-US" smtClean="0"/>
+              <a:rPr lang="en-US"/>
               <a:t>Edit Master text styles</a:t>
             </a:r>
           </a:p>
           <a:p>
             <a:pPr lvl="1"/>
             <a:r>
-              <a:rPr lang="en-US" smtClean="0"/>
+              <a:rPr lang="en-US"/>
               <a:t>Second level</a:t>
             </a:r>
           </a:p>
           <a:p>
             <a:pPr lvl="2"/>
             <a:r>
-              <a:rPr lang="en-US" smtClean="0"/>
+              <a:rPr lang="en-US"/>
               <a:t>Third level</a:t>
             </a:r>
           </a:p>
           <a:p>
             <a:pPr lvl="3"/>
             <a:r>
-              <a:rPr lang="en-US" smtClean="0"/>
+              <a:rPr lang="en-US"/>
               <a:t>Fourth level</a:t>
             </a:r>
           </a:p>
           <a:p>
             <a:pPr lvl="4"/>
             <a:r>
-              <a:rPr lang="en-US" smtClean="0"/>
+              <a:rPr lang="en-US"/>
               <a:t>Fifth level</a:t>
             </a:r>
-            <a:endParaRPr lang="en-US"/>
           </a:p>
         </p:txBody>
       </p:sp>
@@ -2116,7 +2098,7 @@
           <a:p>
             <a:pPr lvl="0"/>
             <a:r>
-              <a:rPr lang="en-US" smtClean="0"/>
+              <a:rPr lang="en-US"/>
               <a:t>Edit Master text styles</a:t>
             </a:r>
           </a:p>
@@ -2139,7 +2121,7 @@
           <a:p>
             <a:fld id="{B9EC8972-C24C-4DA5-99F8-10781DB68661}" type="datetimeFigureOut">
               <a:rPr lang="en-US" smtClean="0"/>
-              <a:t>11/26/2018</a:t>
+              <a:t>1/12/2019</a:t>
             </a:fld>
             <a:endParaRPr lang="en-US"/>
           </a:p>
@@ -2242,10 +2224,9 @@
           </a:lstStyle>
           <a:p>
             <a:r>
-              <a:rPr lang="en-US" smtClean="0"/>
+              <a:rPr lang="en-US"/>
               <a:t>Click to edit Master title style</a:t>
             </a:r>
-            <a:endParaRPr lang="en-US"/>
           </a:p>
         </p:txBody>
       </p:sp>
@@ -2369,7 +2350,7 @@
           <a:p>
             <a:pPr lvl="0"/>
             <a:r>
-              <a:rPr lang="en-US" smtClean="0"/>
+              <a:rPr lang="en-US"/>
               <a:t>Edit Master text styles</a:t>
             </a:r>
           </a:p>
@@ -2392,7 +2373,7 @@
           <a:p>
             <a:fld id="{B9EC8972-C24C-4DA5-99F8-10781DB68661}" type="datetimeFigureOut">
               <a:rPr lang="en-US" smtClean="0"/>
-              <a:t>11/26/2018</a:t>
+              <a:t>1/12/2019</a:t>
             </a:fld>
             <a:endParaRPr lang="en-US"/>
           </a:p>
@@ -2501,10 +2482,9 @@
           <a:lstStyle/>
           <a:p>
             <a:r>
-              <a:rPr lang="en-US" smtClean="0"/>
+              <a:rPr lang="en-US"/>
               <a:t>Click to edit Master title style</a:t>
             </a:r>
-            <a:endParaRPr lang="en-US"/>
           </a:p>
         </p:txBody>
       </p:sp>
@@ -2535,38 +2515,37 @@
           <a:p>
             <a:pPr lvl="0"/>
             <a:r>
-              <a:rPr lang="en-US" smtClean="0"/>
+              <a:rPr lang="en-US"/>
               <a:t>Edit Master text styles</a:t>
             </a:r>
           </a:p>
           <a:p>
             <a:pPr lvl="1"/>
             <a:r>
-              <a:rPr lang="en-US" smtClean="0"/>
+              <a:rPr lang="en-US"/>
               <a:t>Second level</a:t>
             </a:r>
           </a:p>
           <a:p>
             <a:pPr lvl="2"/>
             <a:r>
-              <a:rPr lang="en-US" smtClean="0"/>
+              <a:rPr lang="en-US"/>
               <a:t>Third level</a:t>
             </a:r>
           </a:p>
           <a:p>
             <a:pPr lvl="3"/>
             <a:r>
-              <a:rPr lang="en-US" smtClean="0"/>
+              <a:rPr lang="en-US"/>
               <a:t>Fourth level</a:t>
             </a:r>
           </a:p>
           <a:p>
             <a:pPr lvl="4"/>
             <a:r>
-              <a:rPr lang="en-US" smtClean="0"/>
+              <a:rPr lang="en-US"/>
               <a:t>Fifth level</a:t>
             </a:r>
-            <a:endParaRPr lang="en-US"/>
           </a:p>
         </p:txBody>
       </p:sp>
@@ -2605,7 +2584,7 @@
           <a:p>
             <a:fld id="{B9EC8972-C24C-4DA5-99F8-10781DB68661}" type="datetimeFigureOut">
               <a:rPr lang="en-US" smtClean="0"/>
-              <a:t>11/26/2018</a:t>
+              <a:t>1/12/2019</a:t>
             </a:fld>
             <a:endParaRPr lang="en-US"/>
           </a:p>
@@ -3158,10 +3137,9 @@
           <a:p>
             <a:pPr algn="ctr"/>
             <a:r>
-              <a:rPr lang="en-US" dirty="0" smtClean="0"/>
+              <a:rPr lang="en-US" dirty="0"/>
               <a:t>Image of BTC</a:t>
             </a:r>
-            <a:endParaRPr lang="en-US" dirty="0"/>
           </a:p>
         </p:txBody>
       </p:sp>
@@ -3310,10 +3288,9 @@
           <a:p>
             <a:pPr algn="ctr"/>
             <a:r>
-              <a:rPr lang="en-US" dirty="0" smtClean="0"/>
+              <a:rPr lang="en-US" dirty="0"/>
               <a:t>Login</a:t>
             </a:r>
-            <a:endParaRPr lang="en-US" dirty="0"/>
           </a:p>
         </p:txBody>
       </p:sp>
@@ -3341,7 +3318,7 @@
           <a:p>
             <a:pPr algn="ctr"/>
             <a:r>
-              <a:rPr lang="en-US" sz="2400" b="0" cap="none" spc="0" dirty="0" smtClean="0">
+              <a:rPr lang="en-US" sz="2400" b="0" cap="none" spc="0" dirty="0">
                 <a:ln w="0"/>
                 <a:solidFill>
                   <a:schemeClr val="tx1"/>
@@ -3356,19 +3333,6 @@
               </a:rPr>
               <a:t>User Name</a:t>
             </a:r>
-            <a:endParaRPr lang="en-US" sz="2400" b="0" cap="none" spc="0" dirty="0">
-              <a:ln w="0"/>
-              <a:solidFill>
-                <a:schemeClr val="tx1"/>
-              </a:solidFill>
-              <a:effectLst>
-                <a:outerShdw blurRad="38100" dist="19050" dir="2700000" algn="tl" rotWithShape="0">
-                  <a:schemeClr val="dk1">
-                    <a:alpha val="40000"/>
-                  </a:schemeClr>
-                </a:outerShdw>
-              </a:effectLst>
-            </a:endParaRPr>
           </a:p>
         </p:txBody>
       </p:sp>
@@ -3396,7 +3360,7 @@
           <a:p>
             <a:pPr algn="ctr"/>
             <a:r>
-              <a:rPr lang="en-US" sz="2400" b="0" cap="none" spc="0" dirty="0" smtClean="0">
+              <a:rPr lang="en-US" sz="2400" b="0" cap="none" spc="0" dirty="0">
                 <a:ln w="0"/>
                 <a:solidFill>
                   <a:schemeClr val="tx1"/>
@@ -3411,19 +3375,6 @@
               </a:rPr>
               <a:t>Password</a:t>
             </a:r>
-            <a:endParaRPr lang="en-US" sz="2400" b="0" cap="none" spc="0" dirty="0">
-              <a:ln w="0"/>
-              <a:solidFill>
-                <a:schemeClr val="tx1"/>
-              </a:solidFill>
-              <a:effectLst>
-                <a:outerShdw blurRad="38100" dist="19050" dir="2700000" algn="tl" rotWithShape="0">
-                  <a:schemeClr val="dk1">
-                    <a:alpha val="40000"/>
-                  </a:schemeClr>
-                </a:outerShdw>
-              </a:effectLst>
-            </a:endParaRPr>
           </a:p>
         </p:txBody>
       </p:sp>
@@ -3451,7 +3402,7 @@
           <a:p>
             <a:pPr algn="ctr"/>
             <a:r>
-              <a:rPr lang="en-US" sz="1400" b="0" cap="none" spc="0" dirty="0" smtClean="0">
+              <a:rPr lang="en-US" sz="1400" b="0" cap="none" spc="0" dirty="0">
                 <a:ln w="0"/>
                 <a:solidFill>
                   <a:schemeClr val="accent1">
@@ -3468,21 +3419,6 @@
               </a:rPr>
               <a:t>Forgot Password?</a:t>
             </a:r>
-            <a:endParaRPr lang="en-US" sz="1400" b="0" cap="none" spc="0" dirty="0">
-              <a:ln w="0"/>
-              <a:solidFill>
-                <a:schemeClr val="accent1">
-                  <a:lumMod val="50000"/>
-                </a:schemeClr>
-              </a:solidFill>
-              <a:effectLst>
-                <a:outerShdw blurRad="38100" dist="19050" dir="2700000" algn="tl" rotWithShape="0">
-                  <a:schemeClr val="dk1">
-                    <a:alpha val="40000"/>
-                  </a:schemeClr>
-                </a:outerShdw>
-              </a:effectLst>
-            </a:endParaRPr>
           </a:p>
         </p:txBody>
       </p:sp>
@@ -3510,7 +3446,7 @@
           <a:p>
             <a:pPr algn="ctr"/>
             <a:r>
-              <a:rPr lang="en-US" sz="5400" b="0" cap="none" spc="0" dirty="0" smtClean="0">
+              <a:rPr lang="en-US" sz="5400" b="0" cap="none" spc="0" dirty="0">
                 <a:ln w="0"/>
                 <a:solidFill>
                   <a:schemeClr val="tx1"/>
@@ -3525,19 +3461,6 @@
               </a:rPr>
               <a:t>Travel Request System</a:t>
             </a:r>
-            <a:endParaRPr lang="en-US" sz="5400" b="0" cap="none" spc="0" dirty="0">
-              <a:ln w="0"/>
-              <a:solidFill>
-                <a:schemeClr val="tx1"/>
-              </a:solidFill>
-              <a:effectLst>
-                <a:outerShdw blurRad="38100" dist="19050" dir="2700000" algn="tl" rotWithShape="0">
-                  <a:schemeClr val="dk1">
-                    <a:alpha val="40000"/>
-                  </a:schemeClr>
-                </a:outerShdw>
-              </a:effectLst>
-            </a:endParaRPr>
           </a:p>
         </p:txBody>
       </p:sp>
@@ -3565,7 +3488,7 @@
           <a:p>
             <a:pPr algn="ctr"/>
             <a:r>
-              <a:rPr lang="en-US" sz="2400" b="0" cap="none" spc="0" dirty="0" smtClean="0">
+              <a:rPr lang="en-US" sz="2400" b="0" cap="none" spc="0" dirty="0">
                 <a:ln w="0"/>
                 <a:solidFill>
                   <a:schemeClr val="tx1"/>
@@ -3580,19 +3503,6 @@
               </a:rPr>
               <a:t>Contacts, Terms n conditions, etc.</a:t>
             </a:r>
-            <a:endParaRPr lang="en-US" sz="2400" b="0" cap="none" spc="0" dirty="0">
-              <a:ln w="0"/>
-              <a:solidFill>
-                <a:schemeClr val="tx1"/>
-              </a:solidFill>
-              <a:effectLst>
-                <a:outerShdw blurRad="38100" dist="19050" dir="2700000" algn="tl" rotWithShape="0">
-                  <a:schemeClr val="dk1">
-                    <a:alpha val="40000"/>
-                  </a:schemeClr>
-                </a:outerShdw>
-              </a:effectLst>
-            </a:endParaRPr>
           </a:p>
         </p:txBody>
       </p:sp>
@@ -3748,7 +3658,7 @@
             <a:p>
               <a:pPr algn="ctr"/>
               <a:r>
-                <a:rPr lang="en-US" sz="5400" b="0" cap="none" spc="0" dirty="0" smtClean="0">
+                <a:rPr lang="en-US" sz="5400" b="0" cap="none" spc="0" dirty="0">
                   <a:ln w="0"/>
                   <a:solidFill>
                     <a:schemeClr val="tx1"/>
@@ -3763,19 +3673,6 @@
                 </a:rPr>
                 <a:t>Manage RFQ</a:t>
               </a:r>
-              <a:endParaRPr lang="en-US" sz="5400" b="0" cap="none" spc="0" dirty="0">
-                <a:ln w="0"/>
-                <a:solidFill>
-                  <a:schemeClr val="tx1"/>
-                </a:solidFill>
-                <a:effectLst>
-                  <a:outerShdw blurRad="38100" dist="19050" dir="2700000" algn="tl" rotWithShape="0">
-                    <a:schemeClr val="dk1">
-                      <a:alpha val="40000"/>
-                    </a:schemeClr>
-                  </a:outerShdw>
-                </a:effectLst>
-              </a:endParaRPr>
             </a:p>
           </p:txBody>
         </p:sp>
@@ -3803,7 +3700,7 @@
             <a:p>
               <a:pPr algn="ctr"/>
               <a:r>
-                <a:rPr lang="en-US" sz="2400" b="0" cap="none" spc="0" dirty="0" smtClean="0">
+                <a:rPr lang="en-US" sz="2400" b="0" cap="none" spc="0" dirty="0">
                   <a:ln w="0"/>
                   <a:solidFill>
                     <a:schemeClr val="tx1"/>
@@ -3818,19 +3715,6 @@
                 </a:rPr>
                 <a:t>Contacts, Terms n conditions, etc.</a:t>
               </a:r>
-              <a:endParaRPr lang="en-US" sz="2400" b="0" cap="none" spc="0" dirty="0">
-                <a:ln w="0"/>
-                <a:solidFill>
-                  <a:schemeClr val="tx1"/>
-                </a:solidFill>
-                <a:effectLst>
-                  <a:outerShdw blurRad="38100" dist="19050" dir="2700000" algn="tl" rotWithShape="0">
-                    <a:schemeClr val="dk1">
-                      <a:alpha val="40000"/>
-                    </a:schemeClr>
-                  </a:outerShdw>
-                </a:effectLst>
-              </a:endParaRPr>
             </a:p>
           </p:txBody>
         </p:sp>
@@ -3875,10 +3759,9 @@
           <a:p>
             <a:pPr algn="ctr"/>
             <a:r>
-              <a:rPr lang="en-US" dirty="0" smtClean="0"/>
+              <a:rPr lang="en-US" dirty="0"/>
               <a:t>Added Slides Below</a:t>
             </a:r>
-            <a:endParaRPr lang="en-US" dirty="0"/>
           </a:p>
         </p:txBody>
       </p:sp>
@@ -4034,7 +3917,7 @@
             <a:p>
               <a:pPr algn="ctr"/>
               <a:r>
-                <a:rPr lang="en-US" sz="5400" b="0" cap="none" spc="0" dirty="0" smtClean="0">
+                <a:rPr lang="en-US" sz="5400" b="0" cap="none" spc="0" dirty="0">
                   <a:ln w="0"/>
                   <a:solidFill>
                     <a:schemeClr val="tx1"/>
@@ -4049,19 +3932,6 @@
                 </a:rPr>
                 <a:t>Manage Travel Agency</a:t>
               </a:r>
-              <a:endParaRPr lang="en-US" sz="5400" b="0" cap="none" spc="0" dirty="0">
-                <a:ln w="0"/>
-                <a:solidFill>
-                  <a:schemeClr val="tx1"/>
-                </a:solidFill>
-                <a:effectLst>
-                  <a:outerShdw blurRad="38100" dist="19050" dir="2700000" algn="tl" rotWithShape="0">
-                    <a:schemeClr val="dk1">
-                      <a:alpha val="40000"/>
-                    </a:schemeClr>
-                  </a:outerShdw>
-                </a:effectLst>
-              </a:endParaRPr>
             </a:p>
           </p:txBody>
         </p:sp>
@@ -4089,7 +3959,7 @@
             <a:p>
               <a:pPr algn="ctr"/>
               <a:r>
-                <a:rPr lang="en-US" sz="2400" b="0" cap="none" spc="0" dirty="0" smtClean="0">
+                <a:rPr lang="en-US" sz="2400" b="0" cap="none" spc="0" dirty="0">
                   <a:ln w="0"/>
                   <a:solidFill>
                     <a:schemeClr val="tx1"/>
@@ -4104,19 +3974,6 @@
                 </a:rPr>
                 <a:t>Contacts, Terms n conditions, etc.</a:t>
               </a:r>
-              <a:endParaRPr lang="en-US" sz="2400" b="0" cap="none" spc="0" dirty="0">
-                <a:ln w="0"/>
-                <a:solidFill>
-                  <a:schemeClr val="tx1"/>
-                </a:solidFill>
-                <a:effectLst>
-                  <a:outerShdw blurRad="38100" dist="19050" dir="2700000" algn="tl" rotWithShape="0">
-                    <a:schemeClr val="dk1">
-                      <a:alpha val="40000"/>
-                    </a:schemeClr>
-                  </a:outerShdw>
-                </a:effectLst>
-              </a:endParaRPr>
             </a:p>
           </p:txBody>
         </p:sp>
@@ -4164,7 +4021,6 @@
               <a:rPr lang="en-US" dirty="0"/>
               <a:t>Added Slides Below</a:t>
             </a:r>
-            <a:endParaRPr lang="en-US" dirty="0"/>
           </a:p>
         </p:txBody>
       </p:sp>
@@ -4320,7 +4176,7 @@
             <a:p>
               <a:pPr algn="ctr"/>
               <a:r>
-                <a:rPr lang="en-US" sz="5400" b="0" cap="none" spc="0" dirty="0" smtClean="0">
+                <a:rPr lang="en-US" sz="5400" b="0" cap="none" spc="0" dirty="0">
                   <a:ln w="0"/>
                   <a:solidFill>
                     <a:schemeClr val="tx1"/>
@@ -4335,19 +4191,6 @@
                 </a:rPr>
                 <a:t>Manage LPO</a:t>
               </a:r>
-              <a:endParaRPr lang="en-US" sz="5400" b="0" cap="none" spc="0" dirty="0">
-                <a:ln w="0"/>
-                <a:solidFill>
-                  <a:schemeClr val="tx1"/>
-                </a:solidFill>
-                <a:effectLst>
-                  <a:outerShdw blurRad="38100" dist="19050" dir="2700000" algn="tl" rotWithShape="0">
-                    <a:schemeClr val="dk1">
-                      <a:alpha val="40000"/>
-                    </a:schemeClr>
-                  </a:outerShdw>
-                </a:effectLst>
-              </a:endParaRPr>
             </a:p>
           </p:txBody>
         </p:sp>
@@ -4375,7 +4218,7 @@
             <a:p>
               <a:pPr algn="ctr"/>
               <a:r>
-                <a:rPr lang="en-US" sz="2400" b="0" cap="none" spc="0" dirty="0" smtClean="0">
+                <a:rPr lang="en-US" sz="2400" b="0" cap="none" spc="0" dirty="0">
                   <a:ln w="0"/>
                   <a:solidFill>
                     <a:schemeClr val="tx1"/>
@@ -4390,19 +4233,6 @@
                 </a:rPr>
                 <a:t>Contacts, Terms n conditions, etc.</a:t>
               </a:r>
-              <a:endParaRPr lang="en-US" sz="2400" b="0" cap="none" spc="0" dirty="0">
-                <a:ln w="0"/>
-                <a:solidFill>
-                  <a:schemeClr val="tx1"/>
-                </a:solidFill>
-                <a:effectLst>
-                  <a:outerShdw blurRad="38100" dist="19050" dir="2700000" algn="tl" rotWithShape="0">
-                    <a:schemeClr val="dk1">
-                      <a:alpha val="40000"/>
-                    </a:schemeClr>
-                  </a:outerShdw>
-                </a:effectLst>
-              </a:endParaRPr>
             </a:p>
           </p:txBody>
         </p:sp>
@@ -4450,7 +4280,6 @@
               <a:rPr lang="en-US" dirty="0"/>
               <a:t>Added Slides Below</a:t>
             </a:r>
-            <a:endParaRPr lang="en-US" dirty="0"/>
           </a:p>
         </p:txBody>
       </p:sp>
@@ -4606,7 +4435,7 @@
             <a:p>
               <a:pPr algn="ctr"/>
               <a:r>
-                <a:rPr lang="en-US" sz="5400" b="0" cap="none" spc="0" dirty="0" smtClean="0">
+                <a:rPr lang="en-US" sz="5400" b="0" cap="none" spc="0" dirty="0">
                   <a:ln w="0"/>
                   <a:solidFill>
                     <a:schemeClr val="tx1"/>
@@ -4621,19 +4450,6 @@
                 </a:rPr>
                 <a:t>Report</a:t>
               </a:r>
-              <a:endParaRPr lang="en-US" sz="5400" b="0" cap="none" spc="0" dirty="0">
-                <a:ln w="0"/>
-                <a:solidFill>
-                  <a:schemeClr val="tx1"/>
-                </a:solidFill>
-                <a:effectLst>
-                  <a:outerShdw blurRad="38100" dist="19050" dir="2700000" algn="tl" rotWithShape="0">
-                    <a:schemeClr val="dk1">
-                      <a:alpha val="40000"/>
-                    </a:schemeClr>
-                  </a:outerShdw>
-                </a:effectLst>
-              </a:endParaRPr>
             </a:p>
           </p:txBody>
         </p:sp>
@@ -4661,7 +4477,7 @@
             <a:p>
               <a:pPr algn="ctr"/>
               <a:r>
-                <a:rPr lang="en-US" sz="2400" b="0" cap="none" spc="0" dirty="0" smtClean="0">
+                <a:rPr lang="en-US" sz="2400" b="0" cap="none" spc="0" dirty="0">
                   <a:ln w="0"/>
                   <a:solidFill>
                     <a:schemeClr val="tx1"/>
@@ -4676,19 +4492,6 @@
                 </a:rPr>
                 <a:t>Contacts, Terms n conditions, etc.</a:t>
               </a:r>
-              <a:endParaRPr lang="en-US" sz="2400" b="0" cap="none" spc="0" dirty="0">
-                <a:ln w="0"/>
-                <a:solidFill>
-                  <a:schemeClr val="tx1"/>
-                </a:solidFill>
-                <a:effectLst>
-                  <a:outerShdw blurRad="38100" dist="19050" dir="2700000" algn="tl" rotWithShape="0">
-                    <a:schemeClr val="dk1">
-                      <a:alpha val="40000"/>
-                    </a:schemeClr>
-                  </a:outerShdw>
-                </a:effectLst>
-              </a:endParaRPr>
             </a:p>
           </p:txBody>
         </p:sp>
@@ -4757,7 +4560,7 @@
           <a:p>
             <a:pPr algn="ctr"/>
             <a:r>
-              <a:rPr lang="en-US" sz="1200" b="0" cap="none" spc="0" dirty="0" smtClean="0">
+              <a:rPr lang="en-US" sz="1200" b="0" cap="none" spc="0" dirty="0">
                 <a:ln w="0"/>
                 <a:solidFill>
                   <a:schemeClr val="tx1"/>
@@ -4772,19 +4575,6 @@
               </a:rPr>
               <a:t>Search Filter 1</a:t>
             </a:r>
-            <a:endParaRPr lang="en-US" sz="1200" b="0" cap="none" spc="0" dirty="0">
-              <a:ln w="0"/>
-              <a:solidFill>
-                <a:schemeClr val="tx1"/>
-              </a:solidFill>
-              <a:effectLst>
-                <a:outerShdw blurRad="38100" dist="19050" dir="2700000" algn="tl" rotWithShape="0">
-                  <a:schemeClr val="dk1">
-                    <a:alpha val="40000"/>
-                  </a:schemeClr>
-                </a:outerShdw>
-              </a:effectLst>
-            </a:endParaRPr>
           </a:p>
         </p:txBody>
       </p:sp>
@@ -4812,7 +4602,7 @@
           <a:p>
             <a:pPr algn="ctr"/>
             <a:r>
-              <a:rPr lang="en-US" sz="1200" b="0" cap="none" spc="0" dirty="0" smtClean="0">
+              <a:rPr lang="en-US" sz="1200" b="0" cap="none" spc="0" dirty="0">
                 <a:ln w="0"/>
                 <a:solidFill>
                   <a:schemeClr val="tx1"/>
@@ -4827,19 +4617,6 @@
               </a:rPr>
               <a:t>Search Filter 2</a:t>
             </a:r>
-            <a:endParaRPr lang="en-US" sz="1200" b="0" cap="none" spc="0" dirty="0">
-              <a:ln w="0"/>
-              <a:solidFill>
-                <a:schemeClr val="tx1"/>
-              </a:solidFill>
-              <a:effectLst>
-                <a:outerShdw blurRad="38100" dist="19050" dir="2700000" algn="tl" rotWithShape="0">
-                  <a:schemeClr val="dk1">
-                    <a:alpha val="40000"/>
-                  </a:schemeClr>
-                </a:outerShdw>
-              </a:effectLst>
-            </a:endParaRPr>
           </a:p>
         </p:txBody>
       </p:sp>
@@ -4867,7 +4644,7 @@
           <a:p>
             <a:pPr algn="ctr"/>
             <a:r>
-              <a:rPr lang="en-US" sz="1200" b="0" cap="none" spc="0" dirty="0" smtClean="0">
+              <a:rPr lang="en-US" sz="1200" b="0" cap="none" spc="0" dirty="0">
                 <a:ln w="0"/>
                 <a:solidFill>
                   <a:schemeClr val="tx1"/>
@@ -4882,19 +4659,6 @@
               </a:rPr>
               <a:t>Search Filter 3</a:t>
             </a:r>
-            <a:endParaRPr lang="en-US" sz="1200" b="0" cap="none" spc="0" dirty="0">
-              <a:ln w="0"/>
-              <a:solidFill>
-                <a:schemeClr val="tx1"/>
-              </a:solidFill>
-              <a:effectLst>
-                <a:outerShdw blurRad="38100" dist="19050" dir="2700000" algn="tl" rotWithShape="0">
-                  <a:schemeClr val="dk1">
-                    <a:alpha val="40000"/>
-                  </a:schemeClr>
-                </a:outerShdw>
-              </a:effectLst>
-            </a:endParaRPr>
           </a:p>
         </p:txBody>
       </p:sp>
@@ -4922,7 +4686,7 @@
           <a:p>
             <a:pPr algn="ctr"/>
             <a:r>
-              <a:rPr lang="en-US" sz="1200" b="0" cap="none" spc="0" dirty="0" smtClean="0">
+              <a:rPr lang="en-US" sz="1200" b="0" cap="none" spc="0" dirty="0">
                 <a:ln w="0"/>
                 <a:solidFill>
                   <a:schemeClr val="tx1"/>
@@ -4937,19 +4701,6 @@
               </a:rPr>
               <a:t>Search Filter 5</a:t>
             </a:r>
-            <a:endParaRPr lang="en-US" sz="1200" b="0" cap="none" spc="0" dirty="0">
-              <a:ln w="0"/>
-              <a:solidFill>
-                <a:schemeClr val="tx1"/>
-              </a:solidFill>
-              <a:effectLst>
-                <a:outerShdw blurRad="38100" dist="19050" dir="2700000" algn="tl" rotWithShape="0">
-                  <a:schemeClr val="dk1">
-                    <a:alpha val="40000"/>
-                  </a:schemeClr>
-                </a:outerShdw>
-              </a:effectLst>
-            </a:endParaRPr>
           </a:p>
         </p:txBody>
       </p:sp>
@@ -4977,7 +4728,7 @@
           <a:p>
             <a:pPr algn="ctr"/>
             <a:r>
-              <a:rPr lang="en-US" sz="1200" b="0" cap="none" spc="0" dirty="0" smtClean="0">
+              <a:rPr lang="en-US" sz="1200" b="0" cap="none" spc="0" dirty="0">
                 <a:ln w="0"/>
                 <a:solidFill>
                   <a:schemeClr val="tx1"/>
@@ -4992,19 +4743,6 @@
               </a:rPr>
               <a:t>Search Filter 5</a:t>
             </a:r>
-            <a:endParaRPr lang="en-US" sz="1200" b="0" cap="none" spc="0" dirty="0">
-              <a:ln w="0"/>
-              <a:solidFill>
-                <a:schemeClr val="tx1"/>
-              </a:solidFill>
-              <a:effectLst>
-                <a:outerShdw blurRad="38100" dist="19050" dir="2700000" algn="tl" rotWithShape="0">
-                  <a:schemeClr val="dk1">
-                    <a:alpha val="40000"/>
-                  </a:schemeClr>
-                </a:outerShdw>
-              </a:effectLst>
-            </a:endParaRPr>
           </a:p>
         </p:txBody>
       </p:sp>
@@ -5032,7 +4770,7 @@
           <a:p>
             <a:pPr algn="ctr"/>
             <a:r>
-              <a:rPr lang="en-US" sz="1200" b="0" cap="none" spc="0" dirty="0" smtClean="0">
+              <a:rPr lang="en-US" sz="1200" b="0" cap="none" spc="0" dirty="0">
                 <a:ln w="0"/>
                 <a:solidFill>
                   <a:schemeClr val="tx1"/>
@@ -5047,19 +4785,6 @@
               </a:rPr>
               <a:t>Search Filter 4</a:t>
             </a:r>
-            <a:endParaRPr lang="en-US" sz="1200" b="0" cap="none" spc="0" dirty="0">
-              <a:ln w="0"/>
-              <a:solidFill>
-                <a:schemeClr val="tx1"/>
-              </a:solidFill>
-              <a:effectLst>
-                <a:outerShdw blurRad="38100" dist="19050" dir="2700000" algn="tl" rotWithShape="0">
-                  <a:schemeClr val="dk1">
-                    <a:alpha val="40000"/>
-                  </a:schemeClr>
-                </a:outerShdw>
-              </a:effectLst>
-            </a:endParaRPr>
           </a:p>
         </p:txBody>
       </p:sp>
@@ -5122,10 +4847,9 @@
           <a:p>
             <a:pPr algn="ctr"/>
             <a:r>
-              <a:rPr lang="en-US" dirty="0" smtClean="0"/>
+              <a:rPr lang="en-US" dirty="0"/>
               <a:t>View Results</a:t>
             </a:r>
-            <a:endParaRPr lang="en-US" dirty="0"/>
           </a:p>
         </p:txBody>
       </p:sp>
@@ -5188,10 +4912,9 @@
           <a:p>
             <a:pPr algn="ctr"/>
             <a:r>
-              <a:rPr lang="en-US" dirty="0" smtClean="0"/>
+              <a:rPr lang="en-US" dirty="0"/>
               <a:t>Export as Report</a:t>
             </a:r>
-            <a:endParaRPr lang="en-US" dirty="0"/>
           </a:p>
         </p:txBody>
       </p:sp>
@@ -5254,10 +4977,9 @@
           <a:p>
             <a:pPr algn="ctr"/>
             <a:r>
-              <a:rPr lang="en-US" dirty="0" smtClean="0"/>
+              <a:rPr lang="en-US" dirty="0"/>
               <a:t>Email Report</a:t>
             </a:r>
-            <a:endParaRPr lang="en-US" dirty="0"/>
           </a:p>
         </p:txBody>
       </p:sp>
@@ -5270,14 +4992,14 @@
           <p:nvPr>
             <p:extLst>
               <p:ext uri="{D42A27DB-BD31-4B8C-83A1-F6EECF244321}">
-                <p14:modId xmlns:p14="http://schemas.microsoft.com/office/powerpoint/2010/main" val="1398562813"/>
+                <p14:modId xmlns:p14="http://schemas.microsoft.com/office/powerpoint/2010/main" val="658510616"/>
               </p:ext>
             </p:extLst>
           </p:nvPr>
         </p:nvGraphicFramePr>
         <p:xfrm>
           <a:off x="2067841" y="3599714"/>
-          <a:ext cx="8128002" cy="1483360"/>
+          <a:ext cx="8128002" cy="1752600"/>
         </p:xfrm>
         <a:graphic>
           <a:graphicData uri="http://schemas.openxmlformats.org/drawingml/2006/table">
@@ -5329,7 +5051,7 @@
                   </a:extLst>
                 </a:gridCol>
               </a:tblGrid>
-              <a:tr h="370840">
+              <a:tr h="340816">
                 <a:tc>
                   <a:txBody>
                     <a:bodyPr/>
@@ -5396,12 +5118,339 @@
                   </a:ext>
                 </a:extLst>
               </a:tr>
-              <a:tr h="370840">
+              <a:tr h="546240">
                 <a:tc>
                   <a:txBody>
                     <a:bodyPr/>
                     <a:lstStyle/>
                     <a:p>
+                      <a:pPr algn="l">
+                        <a:spcAft>
+                          <a:spcPts val="0"/>
+                        </a:spcAft>
+                      </a:pPr>
+                      <a:r>
+                        <a:rPr lang="en-US" sz="1100" b="1" dirty="0">
+                          <a:solidFill>
+                            <a:schemeClr val="tx1"/>
+                          </a:solidFill>
+                          <a:effectLst/>
+                          <a:latin typeface="Times New Roman" panose="02020603050405020304" pitchFamily="18" charset="0"/>
+                          <a:ea typeface="Times New Roman" panose="02020603050405020304" pitchFamily="18" charset="0"/>
+                          <a:cs typeface="Times New Roman" panose="02020603050405020304" pitchFamily="18" charset="0"/>
+                        </a:rPr>
+                        <a:t>Period wise Travel Request</a:t>
+                      </a:r>
+                      <a:endParaRPr lang="en-IN" sz="1000" b="1" dirty="0">
+                        <a:solidFill>
+                          <a:schemeClr val="tx1"/>
+                        </a:solidFill>
+                        <a:effectLst/>
+                        <a:latin typeface="Times New Roman" panose="02020603050405020304" pitchFamily="18" charset="0"/>
+                        <a:ea typeface="Times New Roman" panose="02020603050405020304" pitchFamily="18" charset="0"/>
+                        <a:cs typeface="Times New Roman" panose="02020603050405020304" pitchFamily="18" charset="0"/>
+                      </a:endParaRPr>
+                    </a:p>
+                  </a:txBody>
+                  <a:tcPr marL="68580" marR="68580" marT="0" marB="0"/>
+                </a:tc>
+                <a:tc>
+                  <a:txBody>
+                    <a:bodyPr/>
+                    <a:lstStyle/>
+                    <a:p>
+                      <a:pPr marL="0" algn="l" defTabSz="914400" rtl="0" eaLnBrk="1" latinLnBrk="0" hangingPunct="1">
+                        <a:spcAft>
+                          <a:spcPts val="0"/>
+                        </a:spcAft>
+                      </a:pPr>
+                      <a:r>
+                        <a:rPr lang="en-US" sz="1100" b="1" kern="1200" dirty="0">
+                          <a:solidFill>
+                            <a:schemeClr val="tx1"/>
+                          </a:solidFill>
+                          <a:effectLst/>
+                          <a:latin typeface="Times New Roman" panose="02020603050405020304" pitchFamily="18" charset="0"/>
+                          <a:cs typeface="Times New Roman" panose="02020603050405020304" pitchFamily="18" charset="0"/>
+                        </a:rPr>
+                        <a:t>Travel Agency Checklist</a:t>
+                      </a:r>
+                    </a:p>
+                    <a:p>
+                      <a:pPr marL="0" algn="l" defTabSz="914400" rtl="0" eaLnBrk="1" latinLnBrk="0" hangingPunct="1">
+                        <a:spcAft>
+                          <a:spcPts val="0"/>
+                        </a:spcAft>
+                      </a:pPr>
+                      <a:endParaRPr lang="en-US" sz="1100" b="1" kern="1200" dirty="0">
+                        <a:solidFill>
+                          <a:schemeClr val="tx1"/>
+                        </a:solidFill>
+                        <a:effectLst/>
+                        <a:latin typeface="Times New Roman" panose="02020603050405020304" pitchFamily="18" charset="0"/>
+                        <a:cs typeface="Times New Roman" panose="02020603050405020304" pitchFamily="18" charset="0"/>
+                      </a:endParaRPr>
+                    </a:p>
+                  </a:txBody>
+                  <a:tcPr/>
+                </a:tc>
+                <a:tc>
+                  <a:txBody>
+                    <a:bodyPr/>
+                    <a:lstStyle/>
+                    <a:p>
+                      <a:pPr marL="0" algn="l" defTabSz="914400" rtl="0" eaLnBrk="1" latinLnBrk="0" hangingPunct="1">
+                        <a:spcAft>
+                          <a:spcPts val="0"/>
+                        </a:spcAft>
+                      </a:pPr>
+                      <a:r>
+                        <a:rPr lang="en-US" sz="1100" b="1" kern="1200" dirty="0">
+                          <a:solidFill>
+                            <a:schemeClr val="tx1"/>
+                          </a:solidFill>
+                          <a:effectLst/>
+                          <a:latin typeface="Times New Roman" panose="02020603050405020304" pitchFamily="18" charset="0"/>
+                          <a:cs typeface="Times New Roman" panose="02020603050405020304" pitchFamily="18" charset="0"/>
+                        </a:rPr>
+                        <a:t>Travel Agency Quotes Summary</a:t>
+                      </a:r>
+                    </a:p>
+                    <a:p>
+                      <a:pPr marL="0" algn="l" defTabSz="914400" rtl="0" eaLnBrk="1" latinLnBrk="0" hangingPunct="1">
+                        <a:spcAft>
+                          <a:spcPts val="0"/>
+                        </a:spcAft>
+                      </a:pPr>
+                      <a:endParaRPr lang="en-US" sz="1100" b="1" kern="1200" dirty="0">
+                        <a:solidFill>
+                          <a:schemeClr val="tx1"/>
+                        </a:solidFill>
+                        <a:effectLst/>
+                        <a:latin typeface="Times New Roman" panose="02020603050405020304" pitchFamily="18" charset="0"/>
+                        <a:cs typeface="Times New Roman" panose="02020603050405020304" pitchFamily="18" charset="0"/>
+                      </a:endParaRPr>
+                    </a:p>
+                  </a:txBody>
+                  <a:tcPr/>
+                </a:tc>
+                <a:tc>
+                  <a:txBody>
+                    <a:bodyPr/>
+                    <a:lstStyle/>
+                    <a:p>
+                      <a:pPr marL="0" algn="l" defTabSz="914400" rtl="0" eaLnBrk="1" latinLnBrk="0" hangingPunct="1">
+                        <a:spcAft>
+                          <a:spcPts val="0"/>
+                        </a:spcAft>
+                      </a:pPr>
+                      <a:r>
+                        <a:rPr lang="en-US" sz="1100" b="1" kern="1200" dirty="0">
+                          <a:solidFill>
+                            <a:schemeClr val="tx1"/>
+                          </a:solidFill>
+                          <a:effectLst/>
+                          <a:latin typeface="Times New Roman" panose="02020603050405020304" pitchFamily="18" charset="0"/>
+                          <a:cs typeface="Times New Roman" panose="02020603050405020304" pitchFamily="18" charset="0"/>
+                        </a:rPr>
+                        <a:t>Travel Agency Quotes Register</a:t>
+                      </a:r>
+                    </a:p>
+                    <a:p>
+                      <a:pPr marL="0" algn="l" defTabSz="914400" rtl="0" eaLnBrk="1" latinLnBrk="0" hangingPunct="1">
+                        <a:spcAft>
+                          <a:spcPts val="0"/>
+                        </a:spcAft>
+                      </a:pPr>
+                      <a:endParaRPr lang="en-US" sz="1100" b="1" kern="1200" dirty="0">
+                        <a:solidFill>
+                          <a:schemeClr val="tx1"/>
+                        </a:solidFill>
+                        <a:effectLst/>
+                        <a:latin typeface="Times New Roman" panose="02020603050405020304" pitchFamily="18" charset="0"/>
+                        <a:cs typeface="Times New Roman" panose="02020603050405020304" pitchFamily="18" charset="0"/>
+                      </a:endParaRPr>
+                    </a:p>
+                  </a:txBody>
+                  <a:tcPr/>
+                </a:tc>
+                <a:tc>
+                  <a:txBody>
+                    <a:bodyPr/>
+                    <a:lstStyle/>
+                    <a:p>
+                      <a:pPr marL="0" algn="l" defTabSz="914400" rtl="0" eaLnBrk="1" latinLnBrk="0" hangingPunct="1">
+                        <a:spcAft>
+                          <a:spcPts val="0"/>
+                        </a:spcAft>
+                      </a:pPr>
+                      <a:r>
+                        <a:rPr lang="en-US" sz="1100" b="1" kern="1200" dirty="0">
+                          <a:solidFill>
+                            <a:schemeClr val="tx1"/>
+                          </a:solidFill>
+                          <a:effectLst/>
+                          <a:latin typeface="Times New Roman" panose="02020603050405020304" pitchFamily="18" charset="0"/>
+                          <a:cs typeface="Times New Roman" panose="02020603050405020304" pitchFamily="18" charset="0"/>
+                        </a:rPr>
+                        <a:t>Approved Travel Quote Summary</a:t>
+                      </a:r>
+                    </a:p>
+                    <a:p>
+                      <a:pPr marL="0" algn="l" defTabSz="914400" rtl="0" eaLnBrk="1" latinLnBrk="0" hangingPunct="1">
+                        <a:spcAft>
+                          <a:spcPts val="0"/>
+                        </a:spcAft>
+                      </a:pPr>
+                      <a:endParaRPr lang="en-US" sz="1100" b="1" kern="1200" dirty="0">
+                        <a:solidFill>
+                          <a:schemeClr val="tx1"/>
+                        </a:solidFill>
+                        <a:effectLst/>
+                        <a:latin typeface="Times New Roman" panose="02020603050405020304" pitchFamily="18" charset="0"/>
+                        <a:cs typeface="Times New Roman" panose="02020603050405020304" pitchFamily="18" charset="0"/>
+                      </a:endParaRPr>
+                    </a:p>
+                  </a:txBody>
+                  <a:tcPr/>
+                </a:tc>
+                <a:tc>
+                  <a:txBody>
+                    <a:bodyPr/>
+                    <a:lstStyle/>
+                    <a:p>
+                      <a:pPr marL="0" algn="l" defTabSz="914400" rtl="0" eaLnBrk="1" latinLnBrk="0" hangingPunct="1">
+                        <a:spcAft>
+                          <a:spcPts val="0"/>
+                        </a:spcAft>
+                      </a:pPr>
+                      <a:r>
+                        <a:rPr lang="en-US" sz="1100" b="1" kern="1200" dirty="0">
+                          <a:solidFill>
+                            <a:schemeClr val="tx1"/>
+                          </a:solidFill>
+                          <a:effectLst/>
+                          <a:latin typeface="Times New Roman" panose="02020603050405020304" pitchFamily="18" charset="0"/>
+                          <a:cs typeface="Times New Roman" panose="02020603050405020304" pitchFamily="18" charset="0"/>
+                        </a:rPr>
+                        <a:t>Approved Travel Quote Register</a:t>
+                      </a:r>
+                    </a:p>
+                    <a:p>
+                      <a:pPr marL="0" algn="l" defTabSz="914400" rtl="0" eaLnBrk="1" latinLnBrk="0" hangingPunct="1">
+                        <a:spcAft>
+                          <a:spcPts val="0"/>
+                        </a:spcAft>
+                      </a:pPr>
+                      <a:endParaRPr lang="en-US" sz="1100" b="1" kern="1200" dirty="0">
+                        <a:solidFill>
+                          <a:schemeClr val="tx1"/>
+                        </a:solidFill>
+                        <a:effectLst/>
+                        <a:latin typeface="Times New Roman" panose="02020603050405020304" pitchFamily="18" charset="0"/>
+                        <a:cs typeface="Times New Roman" panose="02020603050405020304" pitchFamily="18" charset="0"/>
+                      </a:endParaRPr>
+                    </a:p>
+                  </a:txBody>
+                  <a:tcPr/>
+                </a:tc>
+                <a:extLst>
+                  <a:ext uri="{0D108BD9-81ED-4DB2-BD59-A6C34878D82A}">
+                    <a16:rowId xmlns:a16="http://schemas.microsoft.com/office/drawing/2014/main" val="232775169"/>
+                  </a:ext>
+                </a:extLst>
+              </a:tr>
+              <a:tr h="392172">
+                <a:tc>
+                  <a:txBody>
+                    <a:bodyPr/>
+                    <a:lstStyle/>
+                    <a:p>
+                      <a:pPr marL="0" algn="l" defTabSz="914400" rtl="0" eaLnBrk="1" latinLnBrk="0" hangingPunct="1">
+                        <a:spcAft>
+                          <a:spcPts val="0"/>
+                        </a:spcAft>
+                      </a:pPr>
+                      <a:r>
+                        <a:rPr lang="en-IN" sz="1100" b="1" kern="1200" dirty="0">
+                          <a:solidFill>
+                            <a:schemeClr val="tx1"/>
+                          </a:solidFill>
+                          <a:effectLst/>
+                          <a:latin typeface="Times New Roman" panose="02020603050405020304" pitchFamily="18" charset="0"/>
+                          <a:ea typeface="+mn-ea"/>
+                          <a:cs typeface="Times New Roman" panose="02020603050405020304" pitchFamily="18" charset="0"/>
+                        </a:rPr>
+                        <a:t>LPO Register</a:t>
+                      </a:r>
+                    </a:p>
+                    <a:p>
+                      <a:pPr marL="0" algn="l" defTabSz="914400" rtl="0" eaLnBrk="1" latinLnBrk="0" hangingPunct="1">
+                        <a:spcAft>
+                          <a:spcPts val="0"/>
+                        </a:spcAft>
+                      </a:pPr>
+                      <a:endParaRPr lang="en-IN" sz="1100" b="1" kern="1200" dirty="0">
+                        <a:solidFill>
+                          <a:schemeClr val="tx1"/>
+                        </a:solidFill>
+                        <a:effectLst/>
+                        <a:latin typeface="Times New Roman" panose="02020603050405020304" pitchFamily="18" charset="0"/>
+                        <a:ea typeface="+mn-ea"/>
+                        <a:cs typeface="Times New Roman" panose="02020603050405020304" pitchFamily="18" charset="0"/>
+                      </a:endParaRPr>
+                    </a:p>
+                  </a:txBody>
+                  <a:tcPr marL="68580" marR="68580" marT="0" marB="0"/>
+                </a:tc>
+                <a:tc>
+                  <a:txBody>
+                    <a:bodyPr/>
+                    <a:lstStyle/>
+                    <a:p>
+                      <a:pPr marL="0" algn="l" defTabSz="914400" rtl="0" eaLnBrk="1" latinLnBrk="0" hangingPunct="1">
+                        <a:spcAft>
+                          <a:spcPts val="0"/>
+                        </a:spcAft>
+                      </a:pPr>
+                      <a:r>
+                        <a:rPr lang="en-US" sz="1100" b="1" kern="1200" dirty="0">
+                          <a:solidFill>
+                            <a:schemeClr val="tx1"/>
+                          </a:solidFill>
+                          <a:effectLst/>
+                          <a:latin typeface="Times New Roman" panose="02020603050405020304" pitchFamily="18" charset="0"/>
+                          <a:ea typeface="+mn-ea"/>
+                          <a:cs typeface="Times New Roman" panose="02020603050405020304" pitchFamily="18" charset="0"/>
+                        </a:rPr>
+                        <a:t>LPO Summary</a:t>
+                      </a:r>
+                    </a:p>
+                    <a:p>
+                      <a:pPr marL="0" algn="l" defTabSz="914400" rtl="0" eaLnBrk="1" latinLnBrk="0" hangingPunct="1">
+                        <a:spcAft>
+                          <a:spcPts val="0"/>
+                        </a:spcAft>
+                      </a:pPr>
+                      <a:endParaRPr lang="en-US" sz="1100" b="1" kern="1200" dirty="0">
+                        <a:solidFill>
+                          <a:schemeClr val="tx1"/>
+                        </a:solidFill>
+                        <a:effectLst/>
+                        <a:latin typeface="Times New Roman" panose="02020603050405020304" pitchFamily="18" charset="0"/>
+                        <a:ea typeface="+mn-ea"/>
+                        <a:cs typeface="Times New Roman" panose="02020603050405020304" pitchFamily="18" charset="0"/>
+                      </a:endParaRPr>
+                    </a:p>
+                  </a:txBody>
+                  <a:tcPr/>
+                </a:tc>
+                <a:tc>
+                  <a:txBody>
+                    <a:bodyPr/>
+                    <a:lstStyle/>
+                    <a:p>
+                      <a:pPr algn="l"/>
                       <a:endParaRPr lang="en-US"/>
                     </a:p>
                   </a:txBody>
@@ -5412,6 +5461,7 @@
                     <a:bodyPr/>
                     <a:lstStyle/>
                     <a:p>
+                      <a:pPr algn="l"/>
                       <a:endParaRPr lang="en-US"/>
                     </a:p>
                   </a:txBody>
@@ -5422,6 +5472,7 @@
                     <a:bodyPr/>
                     <a:lstStyle/>
                     <a:p>
+                      <a:pPr algn="l"/>
                       <a:endParaRPr lang="en-US"/>
                     </a:p>
                   </a:txBody>
@@ -5432,114 +5483,41 @@
                     <a:bodyPr/>
                     <a:lstStyle/>
                     <a:p>
-                      <a:endParaRPr lang="en-US"/>
-                    </a:p>
-                  </a:txBody>
-                  <a:tcPr/>
-                </a:tc>
-                <a:tc>
-                  <a:txBody>
-                    <a:bodyPr/>
-                    <a:lstStyle/>
-                    <a:p>
-                      <a:endParaRPr lang="en-US"/>
-                    </a:p>
-                  </a:txBody>
-                  <a:tcPr/>
-                </a:tc>
-                <a:tc>
-                  <a:txBody>
-                    <a:bodyPr/>
-                    <a:lstStyle/>
-                    <a:p>
-                      <a:endParaRPr lang="en-US"/>
+                      <a:pPr algn="l"/>
+                      <a:endParaRPr lang="en-US" dirty="0"/>
                     </a:p>
                   </a:txBody>
                   <a:tcPr/>
                 </a:tc>
                 <a:extLst>
                   <a:ext uri="{0D108BD9-81ED-4DB2-BD59-A6C34878D82A}">
-                    <a16:rowId xmlns:a16="http://schemas.microsoft.com/office/drawing/2014/main" val="232775169"/>
+                    <a16:rowId xmlns:a16="http://schemas.microsoft.com/office/drawing/2014/main" val="4239042851"/>
                   </a:ext>
                 </a:extLst>
               </a:tr>
-              <a:tr h="370840">
+              <a:tr h="340816">
                 <a:tc>
                   <a:txBody>
                     <a:bodyPr/>
                     <a:lstStyle/>
                     <a:p>
-                      <a:endParaRPr lang="en-US"/>
+                      <a:pPr algn="just">
+                        <a:spcAft>
+                          <a:spcPts val="0"/>
+                        </a:spcAft>
+                      </a:pPr>
+                      <a:endParaRPr lang="en-IN" sz="1000" b="1" dirty="0">
+                        <a:solidFill>
+                          <a:schemeClr val="tx1"/>
+                        </a:solidFill>
+                        <a:effectLst/>
+                        <a:latin typeface="Times New Roman" panose="02020603050405020304" pitchFamily="18" charset="0"/>
+                        <a:ea typeface="Times New Roman" panose="02020603050405020304" pitchFamily="18" charset="0"/>
+                        <a:cs typeface="Times New Roman" panose="02020603050405020304" pitchFamily="18" charset="0"/>
+                      </a:endParaRPr>
                     </a:p>
                   </a:txBody>
-                  <a:tcPr/>
-                </a:tc>
-                <a:tc>
-                  <a:txBody>
-                    <a:bodyPr/>
-                    <a:lstStyle/>
-                    <a:p>
-                      <a:endParaRPr lang="en-US"/>
-                    </a:p>
-                  </a:txBody>
-                  <a:tcPr/>
-                </a:tc>
-                <a:tc>
-                  <a:txBody>
-                    <a:bodyPr/>
-                    <a:lstStyle/>
-                    <a:p>
-                      <a:endParaRPr lang="en-US"/>
-                    </a:p>
-                  </a:txBody>
-                  <a:tcPr/>
-                </a:tc>
-                <a:tc>
-                  <a:txBody>
-                    <a:bodyPr/>
-                    <a:lstStyle/>
-                    <a:p>
-                      <a:endParaRPr lang="en-US"/>
-                    </a:p>
-                  </a:txBody>
-                  <a:tcPr/>
-                </a:tc>
-                <a:tc>
-                  <a:txBody>
-                    <a:bodyPr/>
-                    <a:lstStyle/>
-                    <a:p>
-                      <a:endParaRPr lang="en-US"/>
-                    </a:p>
-                  </a:txBody>
-                  <a:tcPr/>
-                </a:tc>
-                <a:tc>
-                  <a:txBody>
-                    <a:bodyPr/>
-                    <a:lstStyle/>
-                    <a:p>
-                      <a:endParaRPr lang="en-US"/>
-                    </a:p>
-                  </a:txBody>
-                  <a:tcPr/>
-                </a:tc>
-                <a:extLst>
-                  <a:ext uri="{0D108BD9-81ED-4DB2-BD59-A6C34878D82A}">
-                    <a16:rowId xmlns:a16="http://schemas.microsoft.com/office/drawing/2014/main" val="3018186051"/>
-                  </a:ext>
-                </a:extLst>
-              </a:tr>
-              <a:tr h="370840">
-                <a:tc>
-                  <a:txBody>
-                    <a:bodyPr/>
-                    <a:lstStyle/>
-                    <a:p>
-                      <a:endParaRPr lang="en-US"/>
-                    </a:p>
-                  </a:txBody>
-                  <a:tcPr/>
+                  <a:tcPr marL="68580" marR="68580" marT="0" marB="0"/>
                 </a:tc>
                 <a:tc>
                   <a:txBody>
@@ -5593,7 +5571,7 @@
                 </a:tc>
                 <a:extLst>
                   <a:ext uri="{0D108BD9-81ED-4DB2-BD59-A6C34878D82A}">
-                    <a16:rowId xmlns:a16="http://schemas.microsoft.com/office/drawing/2014/main" val="2379848025"/>
+                    <a16:rowId xmlns:a16="http://schemas.microsoft.com/office/drawing/2014/main" val="167057264"/>
                   </a:ext>
                 </a:extLst>
               </a:tr>
@@ -7178,10 +7156,9 @@
           <a:p>
             <a:pPr algn="ctr"/>
             <a:r>
-              <a:rPr lang="en-US" dirty="0" smtClean="0"/>
+              <a:rPr lang="en-US" dirty="0"/>
               <a:t>Need more info</a:t>
             </a:r>
-            <a:endParaRPr lang="en-US" dirty="0"/>
           </a:p>
         </p:txBody>
       </p:sp>
@@ -12695,7 +12672,7 @@
             <a:p>
               <a:pPr algn="ctr"/>
               <a:r>
-                <a:rPr lang="en-US" sz="4400" b="0" cap="none" spc="0" dirty="0" smtClean="0">
+                <a:rPr lang="en-US" sz="4400" b="0" cap="none" spc="0" dirty="0">
                   <a:ln w="0"/>
                   <a:solidFill>
                     <a:schemeClr val="tx1"/>
@@ -12711,7 +12688,7 @@
                 <a:t>Employee</a:t>
               </a:r>
               <a:r>
-                <a:rPr lang="en-US" sz="4800" b="0" cap="none" spc="0" dirty="0" smtClean="0">
+                <a:rPr lang="en-US" sz="4800" b="0" cap="none" spc="0" dirty="0">
                   <a:ln w="0"/>
                   <a:solidFill>
                     <a:schemeClr val="tx1"/>
@@ -12726,19 +12703,6 @@
                 </a:rPr>
                 <a:t> Dashboard</a:t>
               </a:r>
-              <a:endParaRPr lang="en-US" sz="4800" b="0" cap="none" spc="0" dirty="0">
-                <a:ln w="0"/>
-                <a:solidFill>
-                  <a:schemeClr val="tx1"/>
-                </a:solidFill>
-                <a:effectLst>
-                  <a:outerShdw blurRad="38100" dist="19050" dir="2700000" algn="tl" rotWithShape="0">
-                    <a:schemeClr val="dk1">
-                      <a:alpha val="40000"/>
-                    </a:schemeClr>
-                  </a:outerShdw>
-                </a:effectLst>
-              </a:endParaRPr>
             </a:p>
           </p:txBody>
         </p:sp>
@@ -12766,7 +12730,7 @@
             <a:p>
               <a:pPr algn="ctr"/>
               <a:r>
-                <a:rPr lang="en-US" sz="2400" b="0" cap="none" spc="0" dirty="0" smtClean="0">
+                <a:rPr lang="en-US" sz="2400" b="0" cap="none" spc="0" dirty="0">
                   <a:ln w="0"/>
                   <a:solidFill>
                     <a:schemeClr val="tx1"/>
@@ -12781,19 +12745,6 @@
                 </a:rPr>
                 <a:t>Contacts, Terms n conditions, etc.</a:t>
               </a:r>
-              <a:endParaRPr lang="en-US" sz="2400" b="0" cap="none" spc="0" dirty="0">
-                <a:ln w="0"/>
-                <a:solidFill>
-                  <a:schemeClr val="tx1"/>
-                </a:solidFill>
-                <a:effectLst>
-                  <a:outerShdw blurRad="38100" dist="19050" dir="2700000" algn="tl" rotWithShape="0">
-                    <a:schemeClr val="dk1">
-                      <a:alpha val="40000"/>
-                    </a:schemeClr>
-                  </a:outerShdw>
-                </a:effectLst>
-              </a:endParaRPr>
             </a:p>
           </p:txBody>
         </p:sp>
@@ -12822,7 +12773,7 @@
           <a:p>
             <a:pPr algn="ctr"/>
             <a:r>
-              <a:rPr lang="en-US" sz="1400" b="0" cap="none" spc="0" dirty="0" smtClean="0">
+              <a:rPr lang="en-US" sz="1400" b="0" cap="none" spc="0" dirty="0">
                 <a:ln w="0"/>
                 <a:solidFill>
                   <a:srgbClr val="FFFF00"/>
@@ -12837,19 +12788,6 @@
               </a:rPr>
               <a:t>Logout</a:t>
             </a:r>
-            <a:endParaRPr lang="en-US" sz="1400" b="0" cap="none" spc="0" dirty="0">
-              <a:ln w="0"/>
-              <a:solidFill>
-                <a:srgbClr val="FFFF00"/>
-              </a:solidFill>
-              <a:effectLst>
-                <a:outerShdw blurRad="38100" dist="19050" dir="2700000" algn="tl" rotWithShape="0">
-                  <a:schemeClr val="dk1">
-                    <a:alpha val="40000"/>
-                  </a:schemeClr>
-                </a:outerShdw>
-              </a:effectLst>
-            </a:endParaRPr>
           </a:p>
         </p:txBody>
       </p:sp>
@@ -12877,7 +12815,7 @@
           <a:p>
             <a:pPr algn="ctr"/>
             <a:r>
-              <a:rPr lang="en-US" sz="1400" b="0" cap="none" spc="0" dirty="0" smtClean="0">
+              <a:rPr lang="en-US" sz="1400" b="0" cap="none" spc="0" dirty="0">
                 <a:ln w="0"/>
                 <a:solidFill>
                   <a:srgbClr val="FFFF00"/>
@@ -12892,19 +12830,6 @@
               </a:rPr>
               <a:t>Employee Name</a:t>
             </a:r>
-            <a:endParaRPr lang="en-US" sz="1400" b="0" cap="none" spc="0" dirty="0">
-              <a:ln w="0"/>
-              <a:solidFill>
-                <a:srgbClr val="FFFF00"/>
-              </a:solidFill>
-              <a:effectLst>
-                <a:outerShdw blurRad="38100" dist="19050" dir="2700000" algn="tl" rotWithShape="0">
-                  <a:schemeClr val="dk1">
-                    <a:alpha val="40000"/>
-                  </a:schemeClr>
-                </a:outerShdw>
-              </a:effectLst>
-            </a:endParaRPr>
           </a:p>
         </p:txBody>
       </p:sp>
@@ -12978,10 +12903,9 @@
           <a:p>
             <a:pPr algn="ctr"/>
             <a:r>
-              <a:rPr lang="en-US" dirty="0" smtClean="0"/>
+              <a:rPr lang="en-US" dirty="0"/>
               <a:t>Notifications List</a:t>
             </a:r>
-            <a:endParaRPr lang="en-US" dirty="0"/>
           </a:p>
         </p:txBody>
       </p:sp>
@@ -13044,10 +12968,9 @@
           <a:p>
             <a:pPr algn="ctr"/>
             <a:r>
-              <a:rPr lang="en-US" dirty="0" smtClean="0"/>
+              <a:rPr lang="en-US" dirty="0"/>
               <a:t>Raise Travel Request</a:t>
             </a:r>
-            <a:endParaRPr lang="en-US" dirty="0"/>
           </a:p>
         </p:txBody>
       </p:sp>
@@ -13110,10 +13033,9 @@
           <a:p>
             <a:pPr algn="ctr"/>
             <a:r>
-              <a:rPr lang="en-US" dirty="0" smtClean="0"/>
+              <a:rPr lang="en-US" dirty="0"/>
               <a:t>View Travel Requests</a:t>
             </a:r>
-            <a:endParaRPr lang="en-US" dirty="0"/>
           </a:p>
         </p:txBody>
       </p:sp>
@@ -13176,10 +13098,9 @@
           <a:p>
             <a:pPr algn="ctr"/>
             <a:r>
-              <a:rPr lang="en-US" dirty="0" smtClean="0"/>
+              <a:rPr lang="en-US" dirty="0"/>
               <a:t>View Personal Details</a:t>
             </a:r>
-            <a:endParaRPr lang="en-US" dirty="0"/>
           </a:p>
         </p:txBody>
       </p:sp>
@@ -13242,10 +13163,9 @@
           <a:p>
             <a:pPr algn="ctr"/>
             <a:r>
-              <a:rPr lang="en-US" dirty="0" smtClean="0"/>
+              <a:rPr lang="en-US" dirty="0"/>
               <a:t>Change Password</a:t>
             </a:r>
-            <a:endParaRPr lang="en-US" dirty="0"/>
           </a:p>
         </p:txBody>
       </p:sp>
@@ -13289,10 +13209,9 @@
           <a:p>
             <a:pPr algn="ctr"/>
             <a:r>
-              <a:rPr lang="en-US" dirty="0" smtClean="0"/>
+              <a:rPr lang="en-US" dirty="0"/>
               <a:t>BTC Image</a:t>
             </a:r>
-            <a:endParaRPr lang="en-US" dirty="0"/>
           </a:p>
         </p:txBody>
       </p:sp>
@@ -13350,11 +13269,11 @@
                     <a:lstStyle/>
                     <a:p>
                       <a:r>
-                        <a:rPr lang="en-US" dirty="0" smtClean="0"/>
+                        <a:rPr lang="en-US" dirty="0"/>
                         <a:t>Notifications</a:t>
                       </a:r>
                       <a:r>
-                        <a:rPr lang="en-US" baseline="0" dirty="0" smtClean="0"/>
+                        <a:rPr lang="en-US" baseline="0" dirty="0"/>
                         <a:t> List</a:t>
                       </a:r>
                       <a:endParaRPr lang="en-US" dirty="0"/>
@@ -27405,7 +27324,7 @@
             <a:p>
               <a:pPr algn="ctr"/>
               <a:r>
-                <a:rPr lang="en-US" sz="2400" b="0" cap="none" spc="0" dirty="0" smtClean="0">
+                <a:rPr lang="en-US" sz="2400" b="0" cap="none" spc="0" dirty="0">
                   <a:ln w="0"/>
                   <a:solidFill>
                     <a:schemeClr val="tx1"/>
@@ -27420,19 +27339,6 @@
                 </a:rPr>
                 <a:t>Contacts, Terms n conditions, etc.</a:t>
               </a:r>
-              <a:endParaRPr lang="en-US" sz="2400" b="0" cap="none" spc="0" dirty="0">
-                <a:ln w="0"/>
-                <a:solidFill>
-                  <a:schemeClr val="tx1"/>
-                </a:solidFill>
-                <a:effectLst>
-                  <a:outerShdw blurRad="38100" dist="19050" dir="2700000" algn="tl" rotWithShape="0">
-                    <a:schemeClr val="dk1">
-                      <a:alpha val="40000"/>
-                    </a:schemeClr>
-                  </a:outerShdw>
-                </a:effectLst>
-              </a:endParaRPr>
             </a:p>
           </p:txBody>
         </p:sp>
@@ -27461,7 +27367,7 @@
           <a:p>
             <a:pPr algn="ctr"/>
             <a:r>
-              <a:rPr lang="en-US" sz="4400" b="0" cap="none" spc="0" dirty="0" smtClean="0">
+              <a:rPr lang="en-US" sz="4400" b="0" cap="none" spc="0" dirty="0">
                 <a:ln w="0"/>
                 <a:solidFill>
                   <a:schemeClr val="tx1"/>
@@ -27516,7 +27422,7 @@
           <a:p>
             <a:pPr algn="ctr"/>
             <a:r>
-              <a:rPr lang="en-US" sz="2000" b="0" cap="none" spc="0" dirty="0" smtClean="0">
+              <a:rPr lang="en-US" sz="2000" b="0" cap="none" spc="0" dirty="0">
                 <a:ln w="0"/>
                 <a:solidFill>
                   <a:schemeClr val="tx1"/>
@@ -27531,19 +27437,6 @@
               </a:rPr>
               <a:t>Application/Form No. XXXXX</a:t>
             </a:r>
-            <a:endParaRPr lang="en-US" sz="2000" b="0" cap="none" spc="0" dirty="0">
-              <a:ln w="0"/>
-              <a:solidFill>
-                <a:schemeClr val="tx1"/>
-              </a:solidFill>
-              <a:effectLst>
-                <a:outerShdw blurRad="38100" dist="19050" dir="2700000" algn="tl" rotWithShape="0">
-                  <a:schemeClr val="dk1">
-                    <a:alpha val="40000"/>
-                  </a:schemeClr>
-                </a:outerShdw>
-              </a:effectLst>
-            </a:endParaRPr>
           </a:p>
         </p:txBody>
       </p:sp>
@@ -27583,16 +27476,6 @@
               </a:rPr>
               <a:t>BTC Employee Code</a:t>
             </a:r>
-            <a:endParaRPr lang="en-US" sz="2000" dirty="0">
-              <a:ln w="0"/>
-              <a:effectLst>
-                <a:outerShdw blurRad="38100" dist="19050" dir="2700000" algn="tl" rotWithShape="0">
-                  <a:schemeClr val="dk1">
-                    <a:alpha val="40000"/>
-                  </a:schemeClr>
-                </a:outerShdw>
-              </a:effectLst>
-            </a:endParaRPr>
           </a:p>
         </p:txBody>
       </p:sp>
@@ -27620,7 +27503,7 @@
           <a:p>
             <a:pPr algn="ctr"/>
             <a:r>
-              <a:rPr lang="en-US" sz="2000" b="0" cap="none" spc="0" dirty="0" smtClean="0">
+              <a:rPr lang="en-US" sz="2000" b="0" cap="none" spc="0" dirty="0">
                 <a:ln w="0"/>
                 <a:solidFill>
                   <a:schemeClr val="tx1"/>
@@ -27635,19 +27518,6 @@
               </a:rPr>
               <a:t>Employee Position Code</a:t>
             </a:r>
-            <a:endParaRPr lang="en-US" sz="2000" b="0" cap="none" spc="0" dirty="0">
-              <a:ln w="0"/>
-              <a:solidFill>
-                <a:schemeClr val="tx1"/>
-              </a:solidFill>
-              <a:effectLst>
-                <a:outerShdw blurRad="38100" dist="19050" dir="2700000" algn="tl" rotWithShape="0">
-                  <a:schemeClr val="dk1">
-                    <a:alpha val="40000"/>
-                  </a:schemeClr>
-                </a:outerShdw>
-              </a:effectLst>
-            </a:endParaRPr>
           </a:p>
         </p:txBody>
       </p:sp>
@@ -27675,7 +27545,7 @@
           <a:p>
             <a:pPr algn="ctr"/>
             <a:r>
-              <a:rPr lang="en-US" sz="2000" b="0" cap="none" spc="0" dirty="0" smtClean="0">
+              <a:rPr lang="en-US" sz="2000" b="0" cap="none" spc="0" dirty="0">
                 <a:ln w="0"/>
                 <a:solidFill>
                   <a:schemeClr val="tx1"/>
@@ -27690,19 +27560,6 @@
               </a:rPr>
               <a:t>Contact Details</a:t>
             </a:r>
-            <a:endParaRPr lang="en-US" sz="2000" b="0" cap="none" spc="0" dirty="0">
-              <a:ln w="0"/>
-              <a:solidFill>
-                <a:schemeClr val="tx1"/>
-              </a:solidFill>
-              <a:effectLst>
-                <a:outerShdw blurRad="38100" dist="19050" dir="2700000" algn="tl" rotWithShape="0">
-                  <a:schemeClr val="dk1">
-                    <a:alpha val="40000"/>
-                  </a:schemeClr>
-                </a:outerShdw>
-              </a:effectLst>
-            </a:endParaRPr>
           </a:p>
         </p:txBody>
       </p:sp>
@@ -27730,7 +27587,7 @@
           <a:p>
             <a:pPr algn="ctr"/>
             <a:r>
-              <a:rPr lang="en-US" sz="2000" b="0" cap="none" spc="0" dirty="0" smtClean="0">
+              <a:rPr lang="en-US" sz="2000" b="0" cap="none" spc="0" dirty="0">
                 <a:ln w="0"/>
                 <a:solidFill>
                   <a:schemeClr val="tx1"/>
@@ -27745,19 +27602,6 @@
               </a:rPr>
               <a:t>Cost Center</a:t>
             </a:r>
-            <a:endParaRPr lang="en-US" sz="2000" b="0" cap="none" spc="0" dirty="0">
-              <a:ln w="0"/>
-              <a:solidFill>
-                <a:schemeClr val="tx1"/>
-              </a:solidFill>
-              <a:effectLst>
-                <a:outerShdw blurRad="38100" dist="19050" dir="2700000" algn="tl" rotWithShape="0">
-                  <a:schemeClr val="dk1">
-                    <a:alpha val="40000"/>
-                  </a:schemeClr>
-                </a:outerShdw>
-              </a:effectLst>
-            </a:endParaRPr>
           </a:p>
         </p:txBody>
       </p:sp>
@@ -27785,7 +27629,7 @@
           <a:p>
             <a:pPr algn="ctr"/>
             <a:r>
-              <a:rPr lang="en-US" sz="2000" b="0" cap="none" spc="0" dirty="0" smtClean="0">
+              <a:rPr lang="en-US" sz="2000" b="0" cap="none" spc="0" dirty="0">
                 <a:ln w="0"/>
                 <a:solidFill>
                   <a:schemeClr val="tx1"/>
@@ -27800,19 +27644,6 @@
               </a:rPr>
               <a:t>Passport Number</a:t>
             </a:r>
-            <a:endParaRPr lang="en-US" sz="2000" b="0" cap="none" spc="0" dirty="0">
-              <a:ln w="0"/>
-              <a:solidFill>
-                <a:schemeClr val="tx1"/>
-              </a:solidFill>
-              <a:effectLst>
-                <a:outerShdw blurRad="38100" dist="19050" dir="2700000" algn="tl" rotWithShape="0">
-                  <a:schemeClr val="dk1">
-                    <a:alpha val="40000"/>
-                  </a:schemeClr>
-                </a:outerShdw>
-              </a:effectLst>
-            </a:endParaRPr>
           </a:p>
         </p:txBody>
       </p:sp>
@@ -27840,7 +27671,7 @@
           <a:p>
             <a:pPr algn="ctr"/>
             <a:r>
-              <a:rPr lang="en-US" sz="2000" b="0" cap="none" spc="0" dirty="0" smtClean="0">
+              <a:rPr lang="en-US" sz="2000" b="0" cap="none" spc="0" dirty="0">
                 <a:ln w="0"/>
                 <a:solidFill>
                   <a:schemeClr val="tx1"/>
@@ -27855,19 +27686,6 @@
               </a:rPr>
               <a:t>Qatar ID</a:t>
             </a:r>
-            <a:endParaRPr lang="en-US" sz="2000" b="0" cap="none" spc="0" dirty="0">
-              <a:ln w="0"/>
-              <a:solidFill>
-                <a:schemeClr val="tx1"/>
-              </a:solidFill>
-              <a:effectLst>
-                <a:outerShdw blurRad="38100" dist="19050" dir="2700000" algn="tl" rotWithShape="0">
-                  <a:schemeClr val="dk1">
-                    <a:alpha val="40000"/>
-                  </a:schemeClr>
-                </a:outerShdw>
-              </a:effectLst>
-            </a:endParaRPr>
           </a:p>
         </p:txBody>
       </p:sp>
@@ -27895,7 +27713,7 @@
           <a:p>
             <a:pPr algn="ctr"/>
             <a:r>
-              <a:rPr lang="en-US" sz="2000" b="0" cap="none" spc="0" dirty="0" smtClean="0">
+              <a:rPr lang="en-US" sz="2000" b="0" cap="none" spc="0" dirty="0">
                 <a:ln w="0"/>
                 <a:solidFill>
                   <a:schemeClr val="tx1"/>
@@ -27910,19 +27728,6 @@
               </a:rPr>
               <a:t>Location</a:t>
             </a:r>
-            <a:endParaRPr lang="en-US" sz="2000" b="0" cap="none" spc="0" dirty="0">
-              <a:ln w="0"/>
-              <a:solidFill>
-                <a:schemeClr val="tx1"/>
-              </a:solidFill>
-              <a:effectLst>
-                <a:outerShdw blurRad="38100" dist="19050" dir="2700000" algn="tl" rotWithShape="0">
-                  <a:schemeClr val="dk1">
-                    <a:alpha val="40000"/>
-                  </a:schemeClr>
-                </a:outerShdw>
-              </a:effectLst>
-            </a:endParaRPr>
           </a:p>
         </p:txBody>
       </p:sp>
@@ -27950,7 +27755,7 @@
           <a:p>
             <a:pPr algn="ctr"/>
             <a:r>
-              <a:rPr lang="en-US" sz="2000" b="0" cap="none" spc="0" dirty="0" smtClean="0">
+              <a:rPr lang="en-US" sz="2000" b="0" cap="none" spc="0" dirty="0">
                 <a:ln w="0"/>
                 <a:solidFill>
                   <a:schemeClr val="tx1"/>
@@ -27965,19 +27770,6 @@
               </a:rPr>
               <a:t>Passport Expiry</a:t>
             </a:r>
-            <a:endParaRPr lang="en-US" sz="2000" b="0" cap="none" spc="0" dirty="0">
-              <a:ln w="0"/>
-              <a:solidFill>
-                <a:schemeClr val="tx1"/>
-              </a:solidFill>
-              <a:effectLst>
-                <a:outerShdw blurRad="38100" dist="19050" dir="2700000" algn="tl" rotWithShape="0">
-                  <a:schemeClr val="dk1">
-                    <a:alpha val="40000"/>
-                  </a:schemeClr>
-                </a:outerShdw>
-              </a:effectLst>
-            </a:endParaRPr>
           </a:p>
         </p:txBody>
       </p:sp>
@@ -28005,7 +27797,7 @@
           <a:p>
             <a:pPr algn="ctr"/>
             <a:r>
-              <a:rPr lang="en-US" sz="2000" b="0" cap="none" spc="0" dirty="0" smtClean="0">
+              <a:rPr lang="en-US" sz="2000" b="0" cap="none" spc="0" dirty="0">
                 <a:ln w="0"/>
                 <a:solidFill>
                   <a:schemeClr val="tx1"/>
@@ -28020,19 +27812,6 @@
               </a:rPr>
               <a:t>Qatar Expiry</a:t>
             </a:r>
-            <a:endParaRPr lang="en-US" sz="2000" b="0" cap="none" spc="0" dirty="0">
-              <a:ln w="0"/>
-              <a:solidFill>
-                <a:schemeClr val="tx1"/>
-              </a:solidFill>
-              <a:effectLst>
-                <a:outerShdw blurRad="38100" dist="19050" dir="2700000" algn="tl" rotWithShape="0">
-                  <a:schemeClr val="dk1">
-                    <a:alpha val="40000"/>
-                  </a:schemeClr>
-                </a:outerShdw>
-              </a:effectLst>
-            </a:endParaRPr>
           </a:p>
         </p:txBody>
       </p:sp>
@@ -28060,7 +27839,7 @@
           <a:p>
             <a:pPr algn="ctr"/>
             <a:r>
-              <a:rPr lang="en-US" sz="2000" b="0" cap="none" spc="0" dirty="0" smtClean="0">
+              <a:rPr lang="en-US" sz="2000" b="0" cap="none" spc="0" dirty="0">
                 <a:ln w="0"/>
                 <a:solidFill>
                   <a:schemeClr val="tx1"/>
@@ -28075,19 +27854,6 @@
               </a:rPr>
               <a:t>Designation</a:t>
             </a:r>
-            <a:endParaRPr lang="en-US" sz="2000" b="0" cap="none" spc="0" dirty="0">
-              <a:ln w="0"/>
-              <a:solidFill>
-                <a:schemeClr val="tx1"/>
-              </a:solidFill>
-              <a:effectLst>
-                <a:outerShdw blurRad="38100" dist="19050" dir="2700000" algn="tl" rotWithShape="0">
-                  <a:schemeClr val="dk1">
-                    <a:alpha val="40000"/>
-                  </a:schemeClr>
-                </a:outerShdw>
-              </a:effectLst>
-            </a:endParaRPr>
           </a:p>
         </p:txBody>
       </p:sp>
@@ -28115,7 +27881,7 @@
           <a:p>
             <a:pPr algn="ctr"/>
             <a:r>
-              <a:rPr lang="en-US" sz="2000" b="0" cap="none" spc="0" dirty="0" smtClean="0">
+              <a:rPr lang="en-US" sz="2000" b="0" cap="none" spc="0" dirty="0">
                 <a:ln w="0"/>
                 <a:solidFill>
                   <a:schemeClr val="tx1"/>
@@ -28130,19 +27896,6 @@
               </a:rPr>
               <a:t>Cost Center Head</a:t>
             </a:r>
-            <a:endParaRPr lang="en-US" sz="2000" b="0" cap="none" spc="0" dirty="0">
-              <a:ln w="0"/>
-              <a:solidFill>
-                <a:schemeClr val="tx1"/>
-              </a:solidFill>
-              <a:effectLst>
-                <a:outerShdw blurRad="38100" dist="19050" dir="2700000" algn="tl" rotWithShape="0">
-                  <a:schemeClr val="dk1">
-                    <a:alpha val="40000"/>
-                  </a:schemeClr>
-                </a:outerShdw>
-              </a:effectLst>
-            </a:endParaRPr>
           </a:p>
         </p:txBody>
       </p:sp>
@@ -28170,7 +27923,7 @@
           <a:p>
             <a:pPr algn="ctr"/>
             <a:r>
-              <a:rPr lang="en-US" sz="2000" b="0" cap="none" spc="0" dirty="0" smtClean="0">
+              <a:rPr lang="en-US" sz="2000" b="0" cap="none" spc="0" dirty="0">
                 <a:ln w="0"/>
                 <a:solidFill>
                   <a:schemeClr val="tx1"/>
@@ -28185,19 +27938,6 @@
               </a:rPr>
               <a:t>Section</a:t>
             </a:r>
-            <a:endParaRPr lang="en-US" sz="2000" b="0" cap="none" spc="0" dirty="0">
-              <a:ln w="0"/>
-              <a:solidFill>
-                <a:schemeClr val="tx1"/>
-              </a:solidFill>
-              <a:effectLst>
-                <a:outerShdw blurRad="38100" dist="19050" dir="2700000" algn="tl" rotWithShape="0">
-                  <a:schemeClr val="dk1">
-                    <a:alpha val="40000"/>
-                  </a:schemeClr>
-                </a:outerShdw>
-              </a:effectLst>
-            </a:endParaRPr>
           </a:p>
         </p:txBody>
       </p:sp>
@@ -28237,16 +27977,6 @@
               </a:rPr>
               <a:t>Employee Name</a:t>
             </a:r>
-            <a:endParaRPr lang="en-US" sz="2000" dirty="0">
-              <a:ln w="0"/>
-              <a:effectLst>
-                <a:outerShdw blurRad="38100" dist="19050" dir="2700000" algn="tl" rotWithShape="0">
-                  <a:schemeClr val="dk1">
-                    <a:alpha val="40000"/>
-                  </a:schemeClr>
-                </a:outerShdw>
-              </a:effectLst>
-            </a:endParaRPr>
           </a:p>
         </p:txBody>
       </p:sp>
@@ -28274,7 +28004,7 @@
           <a:p>
             <a:pPr algn="ctr"/>
             <a:r>
-              <a:rPr lang="en-US" sz="2000" b="0" cap="none" spc="0" dirty="0" smtClean="0">
+              <a:rPr lang="en-US" sz="2000" b="0" cap="none" spc="0" dirty="0">
                 <a:ln w="0"/>
                 <a:solidFill>
                   <a:schemeClr val="tx1"/>
@@ -28289,19 +28019,6 @@
               </a:rPr>
               <a:t>Department</a:t>
             </a:r>
-            <a:endParaRPr lang="en-US" sz="2000" b="0" cap="none" spc="0" dirty="0">
-              <a:ln w="0"/>
-              <a:solidFill>
-                <a:schemeClr val="tx1"/>
-              </a:solidFill>
-              <a:effectLst>
-                <a:outerShdw blurRad="38100" dist="19050" dir="2700000" algn="tl" rotWithShape="0">
-                  <a:schemeClr val="dk1">
-                    <a:alpha val="40000"/>
-                  </a:schemeClr>
-                </a:outerShdw>
-              </a:effectLst>
-            </a:endParaRPr>
           </a:p>
         </p:txBody>
       </p:sp>
@@ -28329,7 +28046,7 @@
           <a:p>
             <a:pPr algn="ctr"/>
             <a:r>
-              <a:rPr lang="en-US" sz="2000" b="0" cap="none" spc="0" dirty="0" smtClean="0">
+              <a:rPr lang="en-US" sz="2000" b="0" cap="none" spc="0" dirty="0">
                 <a:ln w="0"/>
                 <a:solidFill>
                   <a:schemeClr val="tx1"/>
@@ -28344,19 +28061,6 @@
               </a:rPr>
               <a:t>Department Head</a:t>
             </a:r>
-            <a:endParaRPr lang="en-US" sz="2000" b="0" cap="none" spc="0" dirty="0">
-              <a:ln w="0"/>
-              <a:solidFill>
-                <a:schemeClr val="tx1"/>
-              </a:solidFill>
-              <a:effectLst>
-                <a:outerShdw blurRad="38100" dist="19050" dir="2700000" algn="tl" rotWithShape="0">
-                  <a:schemeClr val="dk1">
-                    <a:alpha val="40000"/>
-                  </a:schemeClr>
-                </a:outerShdw>
-              </a:effectLst>
-            </a:endParaRPr>
           </a:p>
         </p:txBody>
       </p:sp>
@@ -42018,7 +41722,7 @@
             <a:p>
               <a:pPr algn="ctr"/>
               <a:r>
-                <a:rPr lang="en-US" sz="2400" b="0" cap="none" spc="0" dirty="0" smtClean="0">
+                <a:rPr lang="en-US" sz="2400" b="0" cap="none" spc="0" dirty="0">
                   <a:ln w="0"/>
                   <a:solidFill>
                     <a:schemeClr val="tx1"/>
@@ -42033,19 +41737,6 @@
                 </a:rPr>
                 <a:t>Contacts, Terms n conditions, etc.</a:t>
               </a:r>
-              <a:endParaRPr lang="en-US" sz="2400" b="0" cap="none" spc="0" dirty="0">
-                <a:ln w="0"/>
-                <a:solidFill>
-                  <a:schemeClr val="tx1"/>
-                </a:solidFill>
-                <a:effectLst>
-                  <a:outerShdw blurRad="38100" dist="19050" dir="2700000" algn="tl" rotWithShape="0">
-                    <a:schemeClr val="dk1">
-                      <a:alpha val="40000"/>
-                    </a:schemeClr>
-                  </a:outerShdw>
-                </a:effectLst>
-              </a:endParaRPr>
             </a:p>
           </p:txBody>
         </p:sp>
@@ -42074,7 +41765,7 @@
           <a:p>
             <a:pPr algn="ctr"/>
             <a:r>
-              <a:rPr lang="en-US" sz="4400" b="0" cap="none" spc="0" dirty="0" smtClean="0">
+              <a:rPr lang="en-US" sz="4400" b="0" cap="none" spc="0" dirty="0">
                 <a:ln w="0"/>
                 <a:solidFill>
                   <a:schemeClr val="tx1"/>
@@ -42129,7 +41820,7 @@
           <a:p>
             <a:pPr algn="ctr"/>
             <a:r>
-              <a:rPr lang="en-US" sz="2000" b="0" cap="none" spc="0" dirty="0" smtClean="0">
+              <a:rPr lang="en-US" sz="2000" b="0" cap="none" spc="0" dirty="0">
                 <a:ln w="0"/>
                 <a:solidFill>
                   <a:schemeClr val="tx1"/>
@@ -42144,19 +41835,6 @@
               </a:rPr>
               <a:t>Port of Origin</a:t>
             </a:r>
-            <a:endParaRPr lang="en-US" sz="2000" b="0" cap="none" spc="0" dirty="0">
-              <a:ln w="0"/>
-              <a:solidFill>
-                <a:schemeClr val="tx1"/>
-              </a:solidFill>
-              <a:effectLst>
-                <a:outerShdw blurRad="38100" dist="19050" dir="2700000" algn="tl" rotWithShape="0">
-                  <a:schemeClr val="dk1">
-                    <a:alpha val="40000"/>
-                  </a:schemeClr>
-                </a:outerShdw>
-              </a:effectLst>
-            </a:endParaRPr>
           </a:p>
         </p:txBody>
       </p:sp>
@@ -42184,7 +41862,7 @@
           <a:p>
             <a:pPr algn="ctr"/>
             <a:r>
-              <a:rPr lang="en-US" sz="2000" b="0" cap="none" spc="0" dirty="0" smtClean="0">
+              <a:rPr lang="en-US" sz="2000" b="0" cap="none" spc="0" dirty="0">
                 <a:ln w="0"/>
                 <a:solidFill>
                   <a:schemeClr val="tx1"/>
@@ -42199,19 +41877,6 @@
               </a:rPr>
               <a:t>Purpose of Visit</a:t>
             </a:r>
-            <a:endParaRPr lang="en-US" sz="2000" b="0" cap="none" spc="0" dirty="0">
-              <a:ln w="0"/>
-              <a:solidFill>
-                <a:schemeClr val="tx1"/>
-              </a:solidFill>
-              <a:effectLst>
-                <a:outerShdw blurRad="38100" dist="19050" dir="2700000" algn="tl" rotWithShape="0">
-                  <a:schemeClr val="dk1">
-                    <a:alpha val="40000"/>
-                  </a:schemeClr>
-                </a:outerShdw>
-              </a:effectLst>
-            </a:endParaRPr>
           </a:p>
         </p:txBody>
       </p:sp>
@@ -42239,7 +41904,7 @@
           <a:p>
             <a:pPr algn="ctr"/>
             <a:r>
-              <a:rPr lang="en-US" sz="2000" b="0" cap="none" spc="0" dirty="0" smtClean="0">
+              <a:rPr lang="en-US" sz="2000" b="0" cap="none" spc="0" dirty="0">
                 <a:ln w="0"/>
                 <a:solidFill>
                   <a:schemeClr val="tx1"/>
@@ -42254,19 +41919,6 @@
               </a:rPr>
               <a:t>Port of Destination</a:t>
             </a:r>
-            <a:endParaRPr lang="en-US" sz="2000" b="0" cap="none" spc="0" dirty="0">
-              <a:ln w="0"/>
-              <a:solidFill>
-                <a:schemeClr val="tx1"/>
-              </a:solidFill>
-              <a:effectLst>
-                <a:outerShdw blurRad="38100" dist="19050" dir="2700000" algn="tl" rotWithShape="0">
-                  <a:schemeClr val="dk1">
-                    <a:alpha val="40000"/>
-                  </a:schemeClr>
-                </a:outerShdw>
-              </a:effectLst>
-            </a:endParaRPr>
           </a:p>
         </p:txBody>
       </p:sp>
@@ -42294,7 +41946,7 @@
           <a:p>
             <a:pPr algn="ctr"/>
             <a:r>
-              <a:rPr lang="en-US" sz="2000" b="0" cap="none" spc="0" dirty="0" smtClean="0">
+              <a:rPr lang="en-US" sz="2000" b="0" cap="none" spc="0" dirty="0">
                 <a:ln w="0"/>
                 <a:solidFill>
                   <a:schemeClr val="tx1"/>
@@ -42309,19 +41961,6 @@
               </a:rPr>
               <a:t>Ticket Class</a:t>
             </a:r>
-            <a:endParaRPr lang="en-US" sz="2000" b="0" cap="none" spc="0" dirty="0">
-              <a:ln w="0"/>
-              <a:solidFill>
-                <a:schemeClr val="tx1"/>
-              </a:solidFill>
-              <a:effectLst>
-                <a:outerShdw blurRad="38100" dist="19050" dir="2700000" algn="tl" rotWithShape="0">
-                  <a:schemeClr val="dk1">
-                    <a:alpha val="40000"/>
-                  </a:schemeClr>
-                </a:outerShdw>
-              </a:effectLst>
-            </a:endParaRPr>
           </a:p>
         </p:txBody>
       </p:sp>
@@ -42349,7 +41988,7 @@
           <a:p>
             <a:pPr algn="ctr"/>
             <a:r>
-              <a:rPr lang="en-US" sz="2000" b="0" cap="none" spc="0" dirty="0" smtClean="0">
+              <a:rPr lang="en-US" sz="2000" b="0" cap="none" spc="0" dirty="0">
                 <a:ln w="0"/>
                 <a:solidFill>
                   <a:schemeClr val="tx1"/>
@@ -42364,19 +42003,6 @@
               </a:rPr>
               <a:t>Daily Allowance</a:t>
             </a:r>
-            <a:endParaRPr lang="en-US" sz="2000" b="0" cap="none" spc="0" dirty="0">
-              <a:ln w="0"/>
-              <a:solidFill>
-                <a:schemeClr val="tx1"/>
-              </a:solidFill>
-              <a:effectLst>
-                <a:outerShdw blurRad="38100" dist="19050" dir="2700000" algn="tl" rotWithShape="0">
-                  <a:schemeClr val="dk1">
-                    <a:alpha val="40000"/>
-                  </a:schemeClr>
-                </a:outerShdw>
-              </a:effectLst>
-            </a:endParaRPr>
           </a:p>
         </p:txBody>
       </p:sp>
@@ -42404,7 +42030,7 @@
           <a:p>
             <a:pPr algn="ctr"/>
             <a:r>
-              <a:rPr lang="en-US" sz="2000" b="0" cap="none" spc="0" dirty="0" smtClean="0">
+              <a:rPr lang="en-US" sz="2000" b="0" cap="none" spc="0" dirty="0">
                 <a:ln w="0"/>
                 <a:solidFill>
                   <a:schemeClr val="tx1"/>
@@ -42419,19 +42045,6 @@
               </a:rPr>
               <a:t>Currency</a:t>
             </a:r>
-            <a:endParaRPr lang="en-US" sz="2000" b="0" cap="none" spc="0" dirty="0">
-              <a:ln w="0"/>
-              <a:solidFill>
-                <a:schemeClr val="tx1"/>
-              </a:solidFill>
-              <a:effectLst>
-                <a:outerShdw blurRad="38100" dist="19050" dir="2700000" algn="tl" rotWithShape="0">
-                  <a:schemeClr val="dk1">
-                    <a:alpha val="40000"/>
-                  </a:schemeClr>
-                </a:outerShdw>
-              </a:effectLst>
-            </a:endParaRPr>
           </a:p>
         </p:txBody>
       </p:sp>
@@ -42459,7 +42072,7 @@
           <a:p>
             <a:pPr algn="ctr"/>
             <a:r>
-              <a:rPr lang="en-US" sz="2000" b="0" cap="none" spc="0" dirty="0" smtClean="0">
+              <a:rPr lang="en-US" sz="2000" b="0" cap="none" spc="0" dirty="0">
                 <a:ln w="0"/>
                 <a:solidFill>
                   <a:schemeClr val="tx1"/>
@@ -42474,19 +42087,6 @@
               </a:rPr>
               <a:t>Travel Days</a:t>
             </a:r>
-            <a:endParaRPr lang="en-US" sz="2000" b="0" cap="none" spc="0" dirty="0">
-              <a:ln w="0"/>
-              <a:solidFill>
-                <a:schemeClr val="tx1"/>
-              </a:solidFill>
-              <a:effectLst>
-                <a:outerShdw blurRad="38100" dist="19050" dir="2700000" algn="tl" rotWithShape="0">
-                  <a:schemeClr val="dk1">
-                    <a:alpha val="40000"/>
-                  </a:schemeClr>
-                </a:outerShdw>
-              </a:effectLst>
-            </a:endParaRPr>
           </a:p>
         </p:txBody>
       </p:sp>
@@ -42514,7 +42114,7 @@
           <a:p>
             <a:pPr algn="ctr"/>
             <a:r>
-              <a:rPr lang="en-US" sz="2000" b="0" cap="none" spc="0" dirty="0" smtClean="0">
+              <a:rPr lang="en-US" sz="2000" b="0" cap="none" spc="0" dirty="0">
                 <a:ln w="0"/>
                 <a:solidFill>
                   <a:schemeClr val="tx1"/>
@@ -42529,19 +42129,6 @@
               </a:rPr>
               <a:t>Remarks</a:t>
             </a:r>
-            <a:endParaRPr lang="en-US" sz="2000" b="0" cap="none" spc="0" dirty="0">
-              <a:ln w="0"/>
-              <a:solidFill>
-                <a:schemeClr val="tx1"/>
-              </a:solidFill>
-              <a:effectLst>
-                <a:outerShdw blurRad="38100" dist="19050" dir="2700000" algn="tl" rotWithShape="0">
-                  <a:schemeClr val="dk1">
-                    <a:alpha val="40000"/>
-                  </a:schemeClr>
-                </a:outerShdw>
-              </a:effectLst>
-            </a:endParaRPr>
           </a:p>
         </p:txBody>
       </p:sp>
@@ -43164,10 +42751,9 @@
           <a:p>
             <a:pPr algn="ctr"/>
             <a:r>
-              <a:rPr lang="en-US" dirty="0" smtClean="0"/>
+              <a:rPr lang="en-US" dirty="0"/>
               <a:t>Add</a:t>
             </a:r>
-            <a:endParaRPr lang="en-US" dirty="0"/>
           </a:p>
         </p:txBody>
       </p:sp>
@@ -43230,10 +42816,9 @@
           <a:p>
             <a:pPr algn="ctr"/>
             <a:r>
-              <a:rPr lang="en-US" dirty="0" smtClean="0"/>
+              <a:rPr lang="en-US" dirty="0"/>
               <a:t>Reset</a:t>
             </a:r>
-            <a:endParaRPr lang="en-US" dirty="0"/>
           </a:p>
         </p:txBody>
       </p:sp>
@@ -44381,24 +43966,6 @@
               </a:rPr>
               <a:t>Manage Travel Agency</a:t>
             </a:r>
-            <a:r>
-              <a:rPr lang="en-US" b="1" dirty="0">
-                <a:solidFill>
-                  <a:schemeClr val="lt1"/>
-                </a:solidFill>
-                <a:effectLst>
-                  <a:outerShdw blurRad="38100" dist="38100" dir="2700000" algn="tl">
-                    <a:srgbClr val="000000">
-                      <a:alpha val="43137"/>
-                    </a:srgbClr>
-                  </a:outerShdw>
-                </a:effectLst>
-                <a:latin typeface="+mn-lt"/>
-                <a:ea typeface="+mn-ea"/>
-                <a:cs typeface="+mn-cs"/>
-              </a:rPr>
-              <a:t/>
-            </a:r>
             <a:br>
               <a:rPr lang="en-US" b="1" dirty="0">
                 <a:solidFill>
@@ -44430,24 +43997,6 @@
                 </a:effectLst>
               </a:rPr>
               <a:t>Format</a:t>
-            </a:r>
-            <a:r>
-              <a:rPr lang="en-US" b="1" dirty="0">
-                <a:solidFill>
-                  <a:schemeClr val="lt1"/>
-                </a:solidFill>
-                <a:effectLst>
-                  <a:outerShdw blurRad="38100" dist="38100" dir="2700000" algn="tl">
-                    <a:srgbClr val="000000">
-                      <a:alpha val="43137"/>
-                    </a:srgbClr>
-                  </a:outerShdw>
-                </a:effectLst>
-                <a:latin typeface="+mn-lt"/>
-                <a:ea typeface="+mn-ea"/>
-                <a:cs typeface="+mn-cs"/>
-              </a:rPr>
-              <a:t/>
             </a:r>
             <a:br>
               <a:rPr lang="en-US" b="1" dirty="0">
@@ -45979,7 +45528,7 @@
             <a:p>
               <a:pPr algn="ctr"/>
               <a:r>
-                <a:rPr lang="en-US" sz="2400" b="0" cap="none" spc="0" dirty="0" smtClean="0">
+                <a:rPr lang="en-US" sz="2400" b="0" cap="none" spc="0" dirty="0">
                   <a:ln w="0"/>
                   <a:solidFill>
                     <a:schemeClr val="tx1"/>
@@ -45994,19 +45543,6 @@
                 </a:rPr>
                 <a:t>Contacts, Terms n conditions, etc.</a:t>
               </a:r>
-              <a:endParaRPr lang="en-US" sz="2400" b="0" cap="none" spc="0" dirty="0">
-                <a:ln w="0"/>
-                <a:solidFill>
-                  <a:schemeClr val="tx1"/>
-                </a:solidFill>
-                <a:effectLst>
-                  <a:outerShdw blurRad="38100" dist="19050" dir="2700000" algn="tl" rotWithShape="0">
-                    <a:schemeClr val="dk1">
-                      <a:alpha val="40000"/>
-                    </a:schemeClr>
-                  </a:outerShdw>
-                </a:effectLst>
-              </a:endParaRPr>
             </a:p>
           </p:txBody>
         </p:sp>
@@ -46035,7 +45571,7 @@
           <a:p>
             <a:pPr algn="ctr"/>
             <a:r>
-              <a:rPr lang="en-US" sz="2000" b="0" cap="none" spc="0" dirty="0" smtClean="0">
+              <a:rPr lang="en-US" sz="2000" b="0" cap="none" spc="0" dirty="0">
                 <a:ln w="0"/>
                 <a:solidFill>
                   <a:schemeClr val="tx1"/>
@@ -46050,19 +45586,6 @@
               </a:rPr>
               <a:t>Departure Date</a:t>
             </a:r>
-            <a:endParaRPr lang="en-US" sz="2000" b="0" cap="none" spc="0" dirty="0">
-              <a:ln w="0"/>
-              <a:solidFill>
-                <a:schemeClr val="tx1"/>
-              </a:solidFill>
-              <a:effectLst>
-                <a:outerShdw blurRad="38100" dist="19050" dir="2700000" algn="tl" rotWithShape="0">
-                  <a:schemeClr val="dk1">
-                    <a:alpha val="40000"/>
-                  </a:schemeClr>
-                </a:outerShdw>
-              </a:effectLst>
-            </a:endParaRPr>
           </a:p>
         </p:txBody>
       </p:sp>
@@ -46090,7 +45613,7 @@
           <a:p>
             <a:pPr algn="ctr"/>
             <a:r>
-              <a:rPr lang="en-US" sz="2000" b="0" cap="none" spc="0" dirty="0" smtClean="0">
+              <a:rPr lang="en-US" sz="2000" b="0" cap="none" spc="0" dirty="0">
                 <a:ln w="0"/>
                 <a:solidFill>
                   <a:schemeClr val="tx1"/>
@@ -46105,19 +45628,6 @@
               </a:rPr>
               <a:t>Preferred Departure Time</a:t>
             </a:r>
-            <a:endParaRPr lang="en-US" sz="2000" b="0" cap="none" spc="0" dirty="0">
-              <a:ln w="0"/>
-              <a:solidFill>
-                <a:schemeClr val="tx1"/>
-              </a:solidFill>
-              <a:effectLst>
-                <a:outerShdw blurRad="38100" dist="19050" dir="2700000" algn="tl" rotWithShape="0">
-                  <a:schemeClr val="dk1">
-                    <a:alpha val="40000"/>
-                  </a:schemeClr>
-                </a:outerShdw>
-              </a:effectLst>
-            </a:endParaRPr>
           </a:p>
         </p:txBody>
       </p:sp>
@@ -46145,7 +45655,7 @@
           <a:p>
             <a:pPr algn="ctr"/>
             <a:r>
-              <a:rPr lang="en-US" sz="2000" b="0" cap="none" spc="0" dirty="0" smtClean="0">
+              <a:rPr lang="en-US" sz="2000" b="0" cap="none" spc="0" dirty="0">
                 <a:ln w="0"/>
                 <a:solidFill>
                   <a:schemeClr val="tx1"/>
@@ -46160,19 +45670,6 @@
               </a:rPr>
               <a:t>First Day of Business</a:t>
             </a:r>
-            <a:endParaRPr lang="en-US" sz="2000" b="0" cap="none" spc="0" dirty="0">
-              <a:ln w="0"/>
-              <a:solidFill>
-                <a:schemeClr val="tx1"/>
-              </a:solidFill>
-              <a:effectLst>
-                <a:outerShdw blurRad="38100" dist="19050" dir="2700000" algn="tl" rotWithShape="0">
-                  <a:schemeClr val="dk1">
-                    <a:alpha val="40000"/>
-                  </a:schemeClr>
-                </a:outerShdw>
-              </a:effectLst>
-            </a:endParaRPr>
           </a:p>
         </p:txBody>
       </p:sp>
@@ -46200,7 +45697,7 @@
           <a:p>
             <a:pPr algn="ctr"/>
             <a:r>
-              <a:rPr lang="en-US" sz="2000" b="0" cap="none" spc="0" dirty="0" smtClean="0">
+              <a:rPr lang="en-US" sz="2000" b="0" cap="none" spc="0" dirty="0">
                 <a:ln w="0"/>
                 <a:solidFill>
                   <a:schemeClr val="tx1"/>
@@ -46215,19 +45712,6 @@
               </a:rPr>
               <a:t>Return Date</a:t>
             </a:r>
-            <a:endParaRPr lang="en-US" sz="2000" b="0" cap="none" spc="0" dirty="0">
-              <a:ln w="0"/>
-              <a:solidFill>
-                <a:schemeClr val="tx1"/>
-              </a:solidFill>
-              <a:effectLst>
-                <a:outerShdw blurRad="38100" dist="19050" dir="2700000" algn="tl" rotWithShape="0">
-                  <a:schemeClr val="dk1">
-                    <a:alpha val="40000"/>
-                  </a:schemeClr>
-                </a:outerShdw>
-              </a:effectLst>
-            </a:endParaRPr>
           </a:p>
         </p:txBody>
       </p:sp>
@@ -46255,7 +45739,7 @@
           <a:p>
             <a:pPr algn="ctr"/>
             <a:r>
-              <a:rPr lang="en-US" sz="2000" dirty="0" smtClean="0">
+              <a:rPr lang="en-US" sz="2000" dirty="0">
                 <a:ln w="0"/>
                 <a:effectLst>
                   <a:outerShdw blurRad="38100" dist="19050" dir="2700000" algn="tl" rotWithShape="0">
@@ -46307,7 +45791,7 @@
           <a:p>
             <a:pPr algn="ctr"/>
             <a:r>
-              <a:rPr lang="en-US" sz="2000" b="0" cap="none" spc="0" dirty="0" smtClean="0">
+              <a:rPr lang="en-US" sz="2000" b="0" cap="none" spc="0" dirty="0">
                 <a:ln w="0"/>
                 <a:solidFill>
                   <a:schemeClr val="tx1"/>
@@ -46322,19 +45806,6 @@
               </a:rPr>
               <a:t>Last Day or Business</a:t>
             </a:r>
-            <a:endParaRPr lang="en-US" sz="2000" b="0" cap="none" spc="0" dirty="0">
-              <a:ln w="0"/>
-              <a:solidFill>
-                <a:schemeClr val="tx1"/>
-              </a:solidFill>
-              <a:effectLst>
-                <a:outerShdw blurRad="38100" dist="19050" dir="2700000" algn="tl" rotWithShape="0">
-                  <a:schemeClr val="dk1">
-                    <a:alpha val="40000"/>
-                  </a:schemeClr>
-                </a:outerShdw>
-              </a:effectLst>
-            </a:endParaRPr>
           </a:p>
         </p:txBody>
       </p:sp>
@@ -46362,7 +45833,7 @@
           <a:p>
             <a:pPr algn="ctr"/>
             <a:r>
-              <a:rPr lang="en-US" sz="2000" b="0" cap="none" spc="0" dirty="0" smtClean="0">
+              <a:rPr lang="en-US" sz="2000" b="0" cap="none" spc="0" dirty="0">
                 <a:ln w="0"/>
                 <a:solidFill>
                   <a:schemeClr val="tx1"/>
@@ -46377,19 +45848,6 @@
               </a:rPr>
               <a:t>Remarks</a:t>
             </a:r>
-            <a:endParaRPr lang="en-US" sz="2000" b="0" cap="none" spc="0" dirty="0">
-              <a:ln w="0"/>
-              <a:solidFill>
-                <a:schemeClr val="tx1"/>
-              </a:solidFill>
-              <a:effectLst>
-                <a:outerShdw blurRad="38100" dist="19050" dir="2700000" algn="tl" rotWithShape="0">
-                  <a:schemeClr val="dk1">
-                    <a:alpha val="40000"/>
-                  </a:schemeClr>
-                </a:outerShdw>
-              </a:effectLst>
-            </a:endParaRPr>
           </a:p>
         </p:txBody>
       </p:sp>
@@ -46417,7 +45875,7 @@
           <a:p>
             <a:pPr algn="ctr"/>
             <a:r>
-              <a:rPr lang="en-US" sz="4400" b="0" cap="none" spc="0" dirty="0" smtClean="0">
+              <a:rPr lang="en-US" sz="4400" b="0" cap="none" spc="0" dirty="0">
                 <a:ln w="0"/>
                 <a:solidFill>
                   <a:schemeClr val="tx1"/>
@@ -46472,7 +45930,7 @@
           <a:p>
             <a:pPr algn="ctr"/>
             <a:r>
-              <a:rPr lang="en-US" sz="2000" b="0" cap="none" spc="0" dirty="0" smtClean="0">
+              <a:rPr lang="en-US" sz="2000" b="0" cap="none" spc="0" dirty="0">
                 <a:ln w="0"/>
                 <a:solidFill>
                   <a:schemeClr val="tx1"/>
@@ -46487,19 +45945,6 @@
               </a:rPr>
               <a:t>Air Ticket Arrangement</a:t>
             </a:r>
-            <a:endParaRPr lang="en-US" sz="2000" b="0" cap="none" spc="0" dirty="0">
-              <a:ln w="0"/>
-              <a:solidFill>
-                <a:schemeClr val="tx1"/>
-              </a:solidFill>
-              <a:effectLst>
-                <a:outerShdw blurRad="38100" dist="19050" dir="2700000" algn="tl" rotWithShape="0">
-                  <a:schemeClr val="dk1">
-                    <a:alpha val="40000"/>
-                  </a:schemeClr>
-                </a:outerShdw>
-              </a:effectLst>
-            </a:endParaRPr>
           </a:p>
         </p:txBody>
       </p:sp>
@@ -46527,7 +45972,7 @@
           <a:p>
             <a:pPr algn="ctr"/>
             <a:r>
-              <a:rPr lang="en-US" sz="2000" b="0" cap="none" spc="0" dirty="0" smtClean="0">
+              <a:rPr lang="en-US" sz="2000" b="0" cap="none" spc="0" dirty="0">
                 <a:ln w="0"/>
                 <a:solidFill>
                   <a:schemeClr val="tx1"/>
@@ -46542,19 +45987,6 @@
               </a:rPr>
               <a:t>Travel Allowance</a:t>
             </a:r>
-            <a:endParaRPr lang="en-US" sz="2000" b="0" cap="none" spc="0" dirty="0">
-              <a:ln w="0"/>
-              <a:solidFill>
-                <a:schemeClr val="tx1"/>
-              </a:solidFill>
-              <a:effectLst>
-                <a:outerShdw blurRad="38100" dist="19050" dir="2700000" algn="tl" rotWithShape="0">
-                  <a:schemeClr val="dk1">
-                    <a:alpha val="40000"/>
-                  </a:schemeClr>
-                </a:outerShdw>
-              </a:effectLst>
-            </a:endParaRPr>
           </a:p>
         </p:txBody>
       </p:sp>
@@ -46582,7 +46014,7 @@
           <a:p>
             <a:pPr algn="ctr"/>
             <a:r>
-              <a:rPr lang="en-US" sz="2000" b="0" cap="none" spc="0" dirty="0" smtClean="0">
+              <a:rPr lang="en-US" sz="2000" b="0" cap="none" spc="0" dirty="0">
                 <a:ln w="0"/>
                 <a:solidFill>
                   <a:schemeClr val="tx1"/>
@@ -46597,19 +46029,6 @@
               </a:rPr>
               <a:t>Hotel Stay</a:t>
             </a:r>
-            <a:endParaRPr lang="en-US" sz="2000" b="0" cap="none" spc="0" dirty="0">
-              <a:ln w="0"/>
-              <a:solidFill>
-                <a:schemeClr val="tx1"/>
-              </a:solidFill>
-              <a:effectLst>
-                <a:outerShdw blurRad="38100" dist="19050" dir="2700000" algn="tl" rotWithShape="0">
-                  <a:schemeClr val="dk1">
-                    <a:alpha val="40000"/>
-                  </a:schemeClr>
-                </a:outerShdw>
-              </a:effectLst>
-            </a:endParaRPr>
           </a:p>
         </p:txBody>
       </p:sp>
@@ -46637,7 +46056,7 @@
           <a:p>
             <a:pPr algn="ctr"/>
             <a:r>
-              <a:rPr lang="en-US" sz="2000" b="0" cap="none" spc="0" dirty="0" smtClean="0">
+              <a:rPr lang="en-US" sz="2000" b="0" cap="none" spc="0" dirty="0">
                 <a:ln w="0"/>
                 <a:solidFill>
                   <a:schemeClr val="tx1"/>
@@ -46652,19 +46071,6 @@
               </a:rPr>
               <a:t>Hotel Category</a:t>
             </a:r>
-            <a:endParaRPr lang="en-US" sz="2000" b="0" cap="none" spc="0" dirty="0">
-              <a:ln w="0"/>
-              <a:solidFill>
-                <a:schemeClr val="tx1"/>
-              </a:solidFill>
-              <a:effectLst>
-                <a:outerShdw blurRad="38100" dist="19050" dir="2700000" algn="tl" rotWithShape="0">
-                  <a:schemeClr val="dk1">
-                    <a:alpha val="40000"/>
-                  </a:schemeClr>
-                </a:outerShdw>
-              </a:effectLst>
-            </a:endParaRPr>
           </a:p>
         </p:txBody>
       </p:sp>
@@ -46692,7 +46098,7 @@
           <a:p>
             <a:pPr algn="ctr"/>
             <a:r>
-              <a:rPr lang="en-US" sz="2000" b="0" cap="none" spc="0" dirty="0" smtClean="0">
+              <a:rPr lang="en-US" sz="2000" b="0" cap="none" spc="0" dirty="0">
                 <a:ln w="0"/>
                 <a:solidFill>
                   <a:schemeClr val="tx1"/>
@@ -46707,19 +46113,6 @@
               </a:rPr>
               <a:t>Room Category</a:t>
             </a:r>
-            <a:endParaRPr lang="en-US" sz="2000" b="0" cap="none" spc="0" dirty="0">
-              <a:ln w="0"/>
-              <a:solidFill>
-                <a:schemeClr val="tx1"/>
-              </a:solidFill>
-              <a:effectLst>
-                <a:outerShdw blurRad="38100" dist="19050" dir="2700000" algn="tl" rotWithShape="0">
-                  <a:schemeClr val="dk1">
-                    <a:alpha val="40000"/>
-                  </a:schemeClr>
-                </a:outerShdw>
-              </a:effectLst>
-            </a:endParaRPr>
           </a:p>
         </p:txBody>
       </p:sp>
@@ -46747,7 +46140,7 @@
           <a:p>
             <a:pPr algn="ctr"/>
             <a:r>
-              <a:rPr lang="en-US" sz="2000" b="0" cap="none" spc="0" dirty="0" smtClean="0">
+              <a:rPr lang="en-US" sz="2000" b="0" cap="none" spc="0" dirty="0">
                 <a:ln w="0"/>
                 <a:solidFill>
                   <a:schemeClr val="tx1"/>
@@ -46762,19 +46155,6 @@
               </a:rPr>
               <a:t>Room Type</a:t>
             </a:r>
-            <a:endParaRPr lang="en-US" sz="2000" b="0" cap="none" spc="0" dirty="0">
-              <a:ln w="0"/>
-              <a:solidFill>
-                <a:schemeClr val="tx1"/>
-              </a:solidFill>
-              <a:effectLst>
-                <a:outerShdw blurRad="38100" dist="19050" dir="2700000" algn="tl" rotWithShape="0">
-                  <a:schemeClr val="dk1">
-                    <a:alpha val="40000"/>
-                  </a:schemeClr>
-                </a:outerShdw>
-              </a:effectLst>
-            </a:endParaRPr>
           </a:p>
         </p:txBody>
       </p:sp>
@@ -46802,7 +46182,7 @@
           <a:p>
             <a:pPr algn="ctr"/>
             <a:r>
-              <a:rPr lang="en-US" sz="2000" b="0" cap="none" spc="0" dirty="0" smtClean="0">
+              <a:rPr lang="en-US" sz="2000" b="0" cap="none" spc="0" dirty="0">
                 <a:ln w="0"/>
                 <a:solidFill>
                   <a:schemeClr val="tx1"/>
@@ -46817,19 +46197,6 @@
               </a:rPr>
               <a:t>Hotel Name</a:t>
             </a:r>
-            <a:endParaRPr lang="en-US" sz="2000" b="0" cap="none" spc="0" dirty="0">
-              <a:ln w="0"/>
-              <a:solidFill>
-                <a:schemeClr val="tx1"/>
-              </a:solidFill>
-              <a:effectLst>
-                <a:outerShdw blurRad="38100" dist="19050" dir="2700000" algn="tl" rotWithShape="0">
-                  <a:schemeClr val="dk1">
-                    <a:alpha val="40000"/>
-                  </a:schemeClr>
-                </a:outerShdw>
-              </a:effectLst>
-            </a:endParaRPr>
           </a:p>
         </p:txBody>
       </p:sp>
@@ -46857,7 +46224,7 @@
           <a:p>
             <a:pPr algn="ctr"/>
             <a:r>
-              <a:rPr lang="en-US" sz="2000" b="0" cap="none" spc="0" dirty="0" smtClean="0">
+              <a:rPr lang="en-US" sz="2000" b="0" cap="none" spc="0" dirty="0">
                 <a:ln w="0"/>
                 <a:solidFill>
                   <a:schemeClr val="tx1"/>
@@ -46872,19 +46239,6 @@
               </a:rPr>
               <a:t>Airport Pickup</a:t>
             </a:r>
-            <a:endParaRPr lang="en-US" sz="2000" b="0" cap="none" spc="0" dirty="0">
-              <a:ln w="0"/>
-              <a:solidFill>
-                <a:schemeClr val="tx1"/>
-              </a:solidFill>
-              <a:effectLst>
-                <a:outerShdw blurRad="38100" dist="19050" dir="2700000" algn="tl" rotWithShape="0">
-                  <a:schemeClr val="dk1">
-                    <a:alpha val="40000"/>
-                  </a:schemeClr>
-                </a:outerShdw>
-              </a:effectLst>
-            </a:endParaRPr>
           </a:p>
         </p:txBody>
       </p:sp>
@@ -46912,7 +46266,7 @@
           <a:p>
             <a:pPr algn="ctr"/>
             <a:r>
-              <a:rPr lang="en-US" sz="2000" b="0" cap="none" spc="0" dirty="0" smtClean="0">
+              <a:rPr lang="en-US" sz="2000" b="0" cap="none" spc="0" dirty="0">
                 <a:ln w="0"/>
                 <a:solidFill>
                   <a:schemeClr val="tx1"/>
@@ -46927,19 +46281,6 @@
               </a:rPr>
               <a:t>Check In Time</a:t>
             </a:r>
-            <a:endParaRPr lang="en-US" sz="2000" b="0" cap="none" spc="0" dirty="0">
-              <a:ln w="0"/>
-              <a:solidFill>
-                <a:schemeClr val="tx1"/>
-              </a:solidFill>
-              <a:effectLst>
-                <a:outerShdw blurRad="38100" dist="19050" dir="2700000" algn="tl" rotWithShape="0">
-                  <a:schemeClr val="dk1">
-                    <a:alpha val="40000"/>
-                  </a:schemeClr>
-                </a:outerShdw>
-              </a:effectLst>
-            </a:endParaRPr>
           </a:p>
         </p:txBody>
       </p:sp>
@@ -46967,7 +46308,7 @@
           <a:p>
             <a:pPr algn="ctr"/>
             <a:r>
-              <a:rPr lang="en-US" sz="2000" b="0" cap="none" spc="0" dirty="0" smtClean="0">
+              <a:rPr lang="en-US" sz="2000" b="0" cap="none" spc="0" dirty="0">
                 <a:ln w="0"/>
                 <a:solidFill>
                   <a:schemeClr val="tx1"/>
@@ -46982,19 +46323,6 @@
               </a:rPr>
               <a:t>Check Out Date</a:t>
             </a:r>
-            <a:endParaRPr lang="en-US" sz="2000" b="0" cap="none" spc="0" dirty="0">
-              <a:ln w="0"/>
-              <a:solidFill>
-                <a:schemeClr val="tx1"/>
-              </a:solidFill>
-              <a:effectLst>
-                <a:outerShdw blurRad="38100" dist="19050" dir="2700000" algn="tl" rotWithShape="0">
-                  <a:schemeClr val="dk1">
-                    <a:alpha val="40000"/>
-                  </a:schemeClr>
-                </a:outerShdw>
-              </a:effectLst>
-            </a:endParaRPr>
           </a:p>
         </p:txBody>
       </p:sp>
@@ -47022,7 +46350,7 @@
           <a:p>
             <a:pPr algn="ctr"/>
             <a:r>
-              <a:rPr lang="en-US" sz="2000" b="0" cap="none" spc="0" dirty="0" smtClean="0">
+              <a:rPr lang="en-US" sz="2000" b="0" cap="none" spc="0" dirty="0">
                 <a:ln w="0"/>
                 <a:solidFill>
                   <a:schemeClr val="tx1"/>
@@ -47037,19 +46365,6 @@
               </a:rPr>
               <a:t>Check Out Time</a:t>
             </a:r>
-            <a:endParaRPr lang="en-US" sz="2000" b="0" cap="none" spc="0" dirty="0">
-              <a:ln w="0"/>
-              <a:solidFill>
-                <a:schemeClr val="tx1"/>
-              </a:solidFill>
-              <a:effectLst>
-                <a:outerShdw blurRad="38100" dist="19050" dir="2700000" algn="tl" rotWithShape="0">
-                  <a:schemeClr val="dk1">
-                    <a:alpha val="40000"/>
-                  </a:schemeClr>
-                </a:outerShdw>
-              </a:effectLst>
-            </a:endParaRPr>
           </a:p>
         </p:txBody>
       </p:sp>
@@ -47077,7 +46392,7 @@
           <a:p>
             <a:pPr algn="ctr"/>
             <a:r>
-              <a:rPr lang="en-US" sz="2000" b="0" cap="none" spc="0" dirty="0" smtClean="0">
+              <a:rPr lang="en-US" sz="2000" b="0" cap="none" spc="0" dirty="0">
                 <a:ln w="0"/>
                 <a:solidFill>
                   <a:schemeClr val="tx1"/>
@@ -47092,19 +46407,6 @@
               </a:rPr>
               <a:t>Check In Date</a:t>
             </a:r>
-            <a:endParaRPr lang="en-US" sz="2000" b="0" cap="none" spc="0" dirty="0">
-              <a:ln w="0"/>
-              <a:solidFill>
-                <a:schemeClr val="tx1"/>
-              </a:solidFill>
-              <a:effectLst>
-                <a:outerShdw blurRad="38100" dist="19050" dir="2700000" algn="tl" rotWithShape="0">
-                  <a:schemeClr val="dk1">
-                    <a:alpha val="40000"/>
-                  </a:schemeClr>
-                </a:outerShdw>
-              </a:effectLst>
-            </a:endParaRPr>
           </a:p>
         </p:txBody>
       </p:sp>
@@ -47132,7 +46434,7 @@
           <a:p>
             <a:pPr algn="ctr"/>
             <a:r>
-              <a:rPr lang="en-US" sz="2000" b="0" cap="none" spc="0" dirty="0" smtClean="0">
+              <a:rPr lang="en-US" sz="2000" b="0" cap="none" spc="0" dirty="0">
                 <a:ln w="0"/>
                 <a:solidFill>
                   <a:schemeClr val="tx1"/>
@@ -47147,19 +46449,6 @@
               </a:rPr>
               <a:t>Additional Expenses</a:t>
             </a:r>
-            <a:endParaRPr lang="en-US" sz="2000" b="0" cap="none" spc="0" dirty="0">
-              <a:ln w="0"/>
-              <a:solidFill>
-                <a:schemeClr val="tx1"/>
-              </a:solidFill>
-              <a:effectLst>
-                <a:outerShdw blurRad="38100" dist="19050" dir="2700000" algn="tl" rotWithShape="0">
-                  <a:schemeClr val="dk1">
-                    <a:alpha val="40000"/>
-                  </a:schemeClr>
-                </a:outerShdw>
-              </a:effectLst>
-            </a:endParaRPr>
           </a:p>
         </p:txBody>
       </p:sp>
@@ -47187,7 +46476,7 @@
           <a:p>
             <a:pPr algn="ctr"/>
             <a:r>
-              <a:rPr lang="en-US" sz="2000" b="0" cap="none" spc="0" dirty="0" smtClean="0">
+              <a:rPr lang="en-US" sz="2000" b="0" cap="none" spc="0" dirty="0">
                 <a:ln w="0"/>
                 <a:solidFill>
                   <a:schemeClr val="tx1"/>
@@ -47202,19 +46491,6 @@
               </a:rPr>
               <a:t>Pick Up By</a:t>
             </a:r>
-            <a:endParaRPr lang="en-US" sz="2000" b="0" cap="none" spc="0" dirty="0">
-              <a:ln w="0"/>
-              <a:solidFill>
-                <a:schemeClr val="tx1"/>
-              </a:solidFill>
-              <a:effectLst>
-                <a:outerShdw blurRad="38100" dist="19050" dir="2700000" algn="tl" rotWithShape="0">
-                  <a:schemeClr val="dk1">
-                    <a:alpha val="40000"/>
-                  </a:schemeClr>
-                </a:outerShdw>
-              </a:effectLst>
-            </a:endParaRPr>
           </a:p>
         </p:txBody>
       </p:sp>
@@ -47277,10 +46553,9 @@
           <a:p>
             <a:pPr algn="ctr"/>
             <a:r>
-              <a:rPr lang="en-US" dirty="0" smtClean="0"/>
+              <a:rPr lang="en-US" dirty="0"/>
               <a:t>Submit</a:t>
             </a:r>
-            <a:endParaRPr lang="en-US" dirty="0"/>
           </a:p>
         </p:txBody>
       </p:sp>
@@ -47343,10 +46618,9 @@
           <a:p>
             <a:pPr algn="ctr"/>
             <a:r>
-              <a:rPr lang="en-US" dirty="0" smtClean="0"/>
+              <a:rPr lang="en-US" dirty="0"/>
               <a:t>Reset</a:t>
             </a:r>
-            <a:endParaRPr lang="en-US" dirty="0"/>
           </a:p>
         </p:txBody>
       </p:sp>
@@ -49257,7 +48531,7 @@
             <a:p>
               <a:pPr algn="ctr"/>
               <a:r>
-                <a:rPr lang="en-US" sz="5200" b="0" cap="none" spc="0" dirty="0" smtClean="0">
+                <a:rPr lang="en-US" sz="5200" b="0" cap="none" spc="0" dirty="0">
                   <a:ln w="0"/>
                   <a:solidFill>
                     <a:schemeClr val="tx1"/>
@@ -49272,19 +48546,6 @@
                 </a:rPr>
                 <a:t>Cost Center Manager Form</a:t>
               </a:r>
-              <a:endParaRPr lang="en-US" sz="5200" b="0" cap="none" spc="0" dirty="0">
-                <a:ln w="0"/>
-                <a:solidFill>
-                  <a:schemeClr val="tx1"/>
-                </a:solidFill>
-                <a:effectLst>
-                  <a:outerShdw blurRad="38100" dist="19050" dir="2700000" algn="tl" rotWithShape="0">
-                    <a:schemeClr val="dk1">
-                      <a:alpha val="40000"/>
-                    </a:schemeClr>
-                  </a:outerShdw>
-                </a:effectLst>
-              </a:endParaRPr>
             </a:p>
           </p:txBody>
         </p:sp>
@@ -49312,7 +48573,7 @@
             <a:p>
               <a:pPr algn="ctr"/>
               <a:r>
-                <a:rPr lang="en-US" sz="2400" b="0" cap="none" spc="0" dirty="0" smtClean="0">
+                <a:rPr lang="en-US" sz="2400" b="0" cap="none" spc="0" dirty="0">
                   <a:ln w="0"/>
                   <a:solidFill>
                     <a:schemeClr val="tx1"/>
@@ -49327,19 +48588,6 @@
                 </a:rPr>
                 <a:t>Contacts, Terms n conditions, etc.</a:t>
               </a:r>
-              <a:endParaRPr lang="en-US" sz="2400" b="0" cap="none" spc="0" dirty="0">
-                <a:ln w="0"/>
-                <a:solidFill>
-                  <a:schemeClr val="tx1"/>
-                </a:solidFill>
-                <a:effectLst>
-                  <a:outerShdw blurRad="38100" dist="19050" dir="2700000" algn="tl" rotWithShape="0">
-                    <a:schemeClr val="dk1">
-                      <a:alpha val="40000"/>
-                    </a:schemeClr>
-                  </a:outerShdw>
-                </a:effectLst>
-              </a:endParaRPr>
             </a:p>
           </p:txBody>
         </p:sp>
@@ -49429,10 +48677,9 @@
           <a:p>
             <a:pPr algn="ctr"/>
             <a:r>
-              <a:rPr lang="en-US" dirty="0" smtClean="0"/>
+              <a:rPr lang="en-US" dirty="0"/>
               <a:t>All the details of thee request form in read only mode except specific fields that can be overridden</a:t>
             </a:r>
-            <a:endParaRPr lang="en-US" dirty="0"/>
           </a:p>
         </p:txBody>
       </p:sp>
@@ -49495,10 +48742,9 @@
           <a:p>
             <a:pPr algn="ctr"/>
             <a:r>
-              <a:rPr lang="en-US" dirty="0" smtClean="0"/>
+              <a:rPr lang="en-US" dirty="0"/>
               <a:t>Approve</a:t>
             </a:r>
-            <a:endParaRPr lang="en-US" dirty="0"/>
           </a:p>
         </p:txBody>
       </p:sp>
@@ -49561,10 +48807,9 @@
           <a:p>
             <a:pPr algn="ctr"/>
             <a:r>
-              <a:rPr lang="en-US" dirty="0" smtClean="0"/>
+              <a:rPr lang="en-US" dirty="0"/>
               <a:t>Reject</a:t>
             </a:r>
-            <a:endParaRPr lang="en-US" dirty="0"/>
           </a:p>
         </p:txBody>
       </p:sp>
@@ -49592,7 +48837,7 @@
           <a:p>
             <a:pPr algn="ctr"/>
             <a:r>
-              <a:rPr lang="en-US" sz="2000" b="0" cap="none" spc="0" dirty="0" smtClean="0">
+              <a:rPr lang="en-US" sz="2000" b="0" cap="none" spc="0" dirty="0">
                 <a:ln w="0"/>
                 <a:solidFill>
                   <a:schemeClr val="tx1"/>
@@ -49607,19 +48852,6 @@
               </a:rPr>
               <a:t>Remarks</a:t>
             </a:r>
-            <a:endParaRPr lang="en-US" sz="2000" b="0" cap="none" spc="0" dirty="0">
-              <a:ln w="0"/>
-              <a:solidFill>
-                <a:schemeClr val="tx1"/>
-              </a:solidFill>
-              <a:effectLst>
-                <a:outerShdw blurRad="38100" dist="19050" dir="2700000" algn="tl" rotWithShape="0">
-                  <a:schemeClr val="dk1">
-                    <a:alpha val="40000"/>
-                  </a:schemeClr>
-                </a:outerShdw>
-              </a:effectLst>
-            </a:endParaRPr>
           </a:p>
         </p:txBody>
       </p:sp>
@@ -49818,7 +49050,7 @@
             <a:p>
               <a:pPr algn="ctr"/>
               <a:r>
-                <a:rPr lang="en-US" sz="5400" b="0" cap="none" spc="0" dirty="0" smtClean="0">
+                <a:rPr lang="en-US" sz="5400" b="0" cap="none" spc="0" dirty="0">
                   <a:ln w="0"/>
                   <a:solidFill>
                     <a:schemeClr val="tx1"/>
@@ -49833,19 +49065,6 @@
                 </a:rPr>
                 <a:t>HR Dashboard</a:t>
               </a:r>
-              <a:endParaRPr lang="en-US" sz="5400" b="0" cap="none" spc="0" dirty="0">
-                <a:ln w="0"/>
-                <a:solidFill>
-                  <a:schemeClr val="tx1"/>
-                </a:solidFill>
-                <a:effectLst>
-                  <a:outerShdw blurRad="38100" dist="19050" dir="2700000" algn="tl" rotWithShape="0">
-                    <a:schemeClr val="dk1">
-                      <a:alpha val="40000"/>
-                    </a:schemeClr>
-                  </a:outerShdw>
-                </a:effectLst>
-              </a:endParaRPr>
             </a:p>
           </p:txBody>
         </p:sp>
@@ -49873,7 +49092,7 @@
             <a:p>
               <a:pPr algn="ctr"/>
               <a:r>
-                <a:rPr lang="en-US" sz="2400" b="0" cap="none" spc="0" dirty="0" smtClean="0">
+                <a:rPr lang="en-US" sz="2400" b="0" cap="none" spc="0" dirty="0">
                   <a:ln w="0"/>
                   <a:solidFill>
                     <a:schemeClr val="tx1"/>
@@ -49888,19 +49107,6 @@
                 </a:rPr>
                 <a:t>Contacts, Terms n conditions, etc.</a:t>
               </a:r>
-              <a:endParaRPr lang="en-US" sz="2400" b="0" cap="none" spc="0" dirty="0">
-                <a:ln w="0"/>
-                <a:solidFill>
-                  <a:schemeClr val="tx1"/>
-                </a:solidFill>
-                <a:effectLst>
-                  <a:outerShdw blurRad="38100" dist="19050" dir="2700000" algn="tl" rotWithShape="0">
-                    <a:schemeClr val="dk1">
-                      <a:alpha val="40000"/>
-                    </a:schemeClr>
-                  </a:outerShdw>
-                </a:effectLst>
-              </a:endParaRPr>
             </a:p>
           </p:txBody>
         </p:sp>
@@ -49945,10 +49151,9 @@
           <a:p>
             <a:pPr algn="ctr"/>
             <a:r>
-              <a:rPr lang="en-US" dirty="0" smtClean="0"/>
+              <a:rPr lang="en-US" dirty="0"/>
               <a:t>Notifications List</a:t>
             </a:r>
-            <a:endParaRPr lang="en-US" dirty="0"/>
           </a:p>
         </p:txBody>
       </p:sp>
@@ -49992,10 +49197,9 @@
           <a:p>
             <a:pPr algn="ctr"/>
             <a:r>
-              <a:rPr lang="en-US" dirty="0" smtClean="0"/>
+              <a:rPr lang="en-US" dirty="0"/>
               <a:t>BTC Image</a:t>
             </a:r>
-            <a:endParaRPr lang="en-US" dirty="0"/>
           </a:p>
         </p:txBody>
       </p:sp>
@@ -50058,10 +49262,9 @@
           <a:p>
             <a:pPr algn="ctr"/>
             <a:r>
-              <a:rPr lang="en-US" dirty="0" smtClean="0"/>
+              <a:rPr lang="en-US" dirty="0"/>
               <a:t>View Travel Requests</a:t>
             </a:r>
-            <a:endParaRPr lang="en-US" dirty="0"/>
           </a:p>
         </p:txBody>
       </p:sp>
@@ -50124,10 +49327,9 @@
           <a:p>
             <a:pPr algn="ctr"/>
             <a:r>
-              <a:rPr lang="en-US" dirty="0" smtClean="0"/>
+              <a:rPr lang="en-US" dirty="0"/>
               <a:t>View Personal Details</a:t>
             </a:r>
-            <a:endParaRPr lang="en-US" dirty="0"/>
           </a:p>
         </p:txBody>
       </p:sp>
@@ -50190,10 +49392,9 @@
           <a:p>
             <a:pPr algn="ctr"/>
             <a:r>
-              <a:rPr lang="en-US" dirty="0" smtClean="0"/>
+              <a:rPr lang="en-US" dirty="0"/>
               <a:t>Change Password</a:t>
             </a:r>
-            <a:endParaRPr lang="en-US" dirty="0"/>
           </a:p>
         </p:txBody>
       </p:sp>
@@ -50251,11 +49452,11 @@
                     <a:lstStyle/>
                     <a:p>
                       <a:r>
-                        <a:rPr lang="en-US" dirty="0" smtClean="0"/>
+                        <a:rPr lang="en-US" dirty="0"/>
                         <a:t>Notifications</a:t>
                       </a:r>
                       <a:r>
-                        <a:rPr lang="en-US" baseline="0" dirty="0" smtClean="0"/>
+                        <a:rPr lang="en-US" baseline="0" dirty="0"/>
                         <a:t> List</a:t>
                       </a:r>
                       <a:endParaRPr lang="en-US" dirty="0"/>
@@ -50556,7 +49757,7 @@
             <a:p>
               <a:pPr algn="ctr"/>
               <a:r>
-                <a:rPr lang="en-US" sz="5200" b="0" cap="none" spc="0" dirty="0" smtClean="0">
+                <a:rPr lang="en-US" sz="5200" b="0" cap="none" spc="0" dirty="0">
                   <a:ln w="0"/>
                   <a:solidFill>
                     <a:schemeClr val="tx1"/>
@@ -50571,19 +49772,6 @@
                 </a:rPr>
                 <a:t>HR Manager Form</a:t>
               </a:r>
-              <a:endParaRPr lang="en-US" sz="5200" b="0" cap="none" spc="0" dirty="0">
-                <a:ln w="0"/>
-                <a:solidFill>
-                  <a:schemeClr val="tx1"/>
-                </a:solidFill>
-                <a:effectLst>
-                  <a:outerShdw blurRad="38100" dist="19050" dir="2700000" algn="tl" rotWithShape="0">
-                    <a:schemeClr val="dk1">
-                      <a:alpha val="40000"/>
-                    </a:schemeClr>
-                  </a:outerShdw>
-                </a:effectLst>
-              </a:endParaRPr>
             </a:p>
           </p:txBody>
         </p:sp>
@@ -50611,7 +49799,7 @@
             <a:p>
               <a:pPr algn="ctr"/>
               <a:r>
-                <a:rPr lang="en-US" sz="2400" b="0" cap="none" spc="0" dirty="0" smtClean="0">
+                <a:rPr lang="en-US" sz="2400" b="0" cap="none" spc="0" dirty="0">
                   <a:ln w="0"/>
                   <a:solidFill>
                     <a:schemeClr val="tx1"/>
@@ -50626,19 +49814,6 @@
                 </a:rPr>
                 <a:t>Contacts, Terms n conditions, etc.</a:t>
               </a:r>
-              <a:endParaRPr lang="en-US" sz="2400" b="0" cap="none" spc="0" dirty="0">
-                <a:ln w="0"/>
-                <a:solidFill>
-                  <a:schemeClr val="tx1"/>
-                </a:solidFill>
-                <a:effectLst>
-                  <a:outerShdw blurRad="38100" dist="19050" dir="2700000" algn="tl" rotWithShape="0">
-                    <a:schemeClr val="dk1">
-                      <a:alpha val="40000"/>
-                    </a:schemeClr>
-                  </a:outerShdw>
-                </a:effectLst>
-              </a:endParaRPr>
             </a:p>
           </p:txBody>
         </p:sp>
@@ -50728,10 +49903,9 @@
           <a:p>
             <a:pPr algn="ctr"/>
             <a:r>
-              <a:rPr lang="en-US" dirty="0" smtClean="0"/>
+              <a:rPr lang="en-US" dirty="0"/>
               <a:t>All the details of thee request form in read only mode</a:t>
             </a:r>
-            <a:endParaRPr lang="en-US" dirty="0"/>
           </a:p>
         </p:txBody>
       </p:sp>
@@ -50794,10 +49968,9 @@
           <a:p>
             <a:pPr algn="ctr"/>
             <a:r>
-              <a:rPr lang="en-US" dirty="0" smtClean="0"/>
+              <a:rPr lang="en-US" dirty="0"/>
               <a:t>Submit</a:t>
             </a:r>
-            <a:endParaRPr lang="en-US" dirty="0"/>
           </a:p>
         </p:txBody>
       </p:sp>
@@ -50860,10 +50033,9 @@
           <a:p>
             <a:pPr algn="ctr"/>
             <a:r>
-              <a:rPr lang="en-US" dirty="0" smtClean="0"/>
+              <a:rPr lang="en-US" dirty="0"/>
               <a:t>Reject</a:t>
             </a:r>
-            <a:endParaRPr lang="en-US" dirty="0"/>
           </a:p>
         </p:txBody>
       </p:sp>
@@ -50891,7 +50063,7 @@
           <a:p>
             <a:pPr algn="ctr"/>
             <a:r>
-              <a:rPr lang="en-US" sz="2000" b="0" cap="none" spc="0" dirty="0" smtClean="0">
+              <a:rPr lang="en-US" sz="2000" b="0" cap="none" spc="0" dirty="0">
                 <a:ln w="0"/>
                 <a:solidFill>
                   <a:schemeClr val="tx1"/>
@@ -50906,19 +50078,6 @@
               </a:rPr>
               <a:t>Remarks</a:t>
             </a:r>
-            <a:endParaRPr lang="en-US" sz="2000" b="0" cap="none" spc="0" dirty="0">
-              <a:ln w="0"/>
-              <a:solidFill>
-                <a:schemeClr val="tx1"/>
-              </a:solidFill>
-              <a:effectLst>
-                <a:outerShdw blurRad="38100" dist="19050" dir="2700000" algn="tl" rotWithShape="0">
-                  <a:schemeClr val="dk1">
-                    <a:alpha val="40000"/>
-                  </a:schemeClr>
-                </a:outerShdw>
-              </a:effectLst>
-            </a:endParaRPr>
           </a:p>
         </p:txBody>
       </p:sp>
@@ -51117,7 +50276,7 @@
             <a:p>
               <a:pPr algn="ctr"/>
               <a:r>
-                <a:rPr lang="en-US" sz="5400" b="0" cap="none" spc="0" dirty="0" smtClean="0">
+                <a:rPr lang="en-US" sz="5400" b="0" cap="none" spc="0" dirty="0">
                   <a:ln w="0"/>
                   <a:solidFill>
                     <a:schemeClr val="tx1"/>
@@ -51132,19 +50291,6 @@
                 </a:rPr>
                 <a:t>Travel Coordinator Dashboard</a:t>
               </a:r>
-              <a:endParaRPr lang="en-US" sz="5400" b="0" cap="none" spc="0" dirty="0">
-                <a:ln w="0"/>
-                <a:solidFill>
-                  <a:schemeClr val="tx1"/>
-                </a:solidFill>
-                <a:effectLst>
-                  <a:outerShdw blurRad="38100" dist="19050" dir="2700000" algn="tl" rotWithShape="0">
-                    <a:schemeClr val="dk1">
-                      <a:alpha val="40000"/>
-                    </a:schemeClr>
-                  </a:outerShdw>
-                </a:effectLst>
-              </a:endParaRPr>
             </a:p>
           </p:txBody>
         </p:sp>
@@ -51172,7 +50318,7 @@
             <a:p>
               <a:pPr algn="ctr"/>
               <a:r>
-                <a:rPr lang="en-US" sz="2400" b="0" cap="none" spc="0" dirty="0" smtClean="0">
+                <a:rPr lang="en-US" sz="2400" b="0" cap="none" spc="0" dirty="0">
                   <a:ln w="0"/>
                   <a:solidFill>
                     <a:schemeClr val="tx1"/>
@@ -51187,19 +50333,6 @@
                 </a:rPr>
                 <a:t>Contacts, Terms n conditions, etc.</a:t>
               </a:r>
-              <a:endParaRPr lang="en-US" sz="2400" b="0" cap="none" spc="0" dirty="0">
-                <a:ln w="0"/>
-                <a:solidFill>
-                  <a:schemeClr val="tx1"/>
-                </a:solidFill>
-                <a:effectLst>
-                  <a:outerShdw blurRad="38100" dist="19050" dir="2700000" algn="tl" rotWithShape="0">
-                    <a:schemeClr val="dk1">
-                      <a:alpha val="40000"/>
-                    </a:schemeClr>
-                  </a:outerShdw>
-                </a:effectLst>
-              </a:endParaRPr>
             </a:p>
           </p:txBody>
         </p:sp>
@@ -51263,10 +50396,9 @@
           <a:p>
             <a:pPr algn="ctr"/>
             <a:r>
-              <a:rPr lang="en-US" dirty="0" smtClean="0"/>
+              <a:rPr lang="en-US" dirty="0"/>
               <a:t>Manage RFQ</a:t>
             </a:r>
-            <a:endParaRPr lang="en-US" dirty="0"/>
           </a:p>
         </p:txBody>
       </p:sp>
@@ -51329,10 +50461,9 @@
           <a:p>
             <a:pPr algn="ctr"/>
             <a:r>
-              <a:rPr lang="en-US" dirty="0" smtClean="0"/>
+              <a:rPr lang="en-US" dirty="0"/>
               <a:t>Manage Travel Agencies</a:t>
             </a:r>
-            <a:endParaRPr lang="en-US" dirty="0"/>
           </a:p>
         </p:txBody>
       </p:sp>
@@ -51395,10 +50526,9 @@
           <a:p>
             <a:pPr algn="ctr"/>
             <a:r>
-              <a:rPr lang="en-US" dirty="0" smtClean="0"/>
+              <a:rPr lang="en-US" dirty="0"/>
               <a:t>Manage LPO</a:t>
             </a:r>
-            <a:endParaRPr lang="en-US" dirty="0"/>
           </a:p>
         </p:txBody>
       </p:sp>
@@ -51461,10 +50591,9 @@
           <a:p>
             <a:pPr algn="ctr"/>
             <a:r>
-              <a:rPr lang="en-US" dirty="0" smtClean="0"/>
+              <a:rPr lang="en-US" dirty="0"/>
               <a:t>Reports</a:t>
             </a:r>
-            <a:endParaRPr lang="en-US" dirty="0"/>
           </a:p>
         </p:txBody>
       </p:sp>
@@ -51508,10 +50637,9 @@
           <a:p>
             <a:pPr algn="ctr"/>
             <a:r>
-              <a:rPr lang="en-US" dirty="0" smtClean="0"/>
+              <a:rPr lang="en-US" dirty="0"/>
               <a:t>Notifications List</a:t>
             </a:r>
-            <a:endParaRPr lang="en-US" dirty="0"/>
           </a:p>
         </p:txBody>
       </p:sp>
@@ -51555,10 +50683,9 @@
           <a:p>
             <a:pPr algn="ctr"/>
             <a:r>
-              <a:rPr lang="en-US" dirty="0" smtClean="0"/>
+              <a:rPr lang="en-US" dirty="0"/>
               <a:t>BTC Image</a:t>
             </a:r>
-            <a:endParaRPr lang="en-US" dirty="0"/>
           </a:p>
         </p:txBody>
       </p:sp>
@@ -51621,10 +50748,9 @@
           <a:p>
             <a:pPr algn="ctr"/>
             <a:r>
-              <a:rPr lang="en-US" dirty="0" smtClean="0"/>
+              <a:rPr lang="en-US" dirty="0"/>
               <a:t>Change Password</a:t>
             </a:r>
-            <a:endParaRPr lang="en-US" dirty="0"/>
           </a:p>
         </p:txBody>
       </p:sp>
@@ -51682,11 +50808,11 @@
                     <a:lstStyle/>
                     <a:p>
                       <a:r>
-                        <a:rPr lang="en-US" dirty="0" smtClean="0"/>
+                        <a:rPr lang="en-US" dirty="0"/>
                         <a:t>Notifications</a:t>
                       </a:r>
                       <a:r>
-                        <a:rPr lang="en-US" baseline="0" dirty="0" smtClean="0"/>
+                        <a:rPr lang="en-US" baseline="0" dirty="0"/>
                         <a:t> List</a:t>
                       </a:r>
                       <a:endParaRPr lang="en-US" dirty="0"/>
